--- a/0.課堂規定及評量標準.pptx
+++ b/0.課堂規定及評量標準.pptx
@@ -13,10 +13,10 @@
     <p:sldId id="273" r:id="rId4"/>
     <p:sldId id="272" r:id="rId5"/>
     <p:sldId id="276" r:id="rId6"/>
-    <p:sldId id="274" r:id="rId7"/>
-    <p:sldId id="277" r:id="rId8"/>
-    <p:sldId id="278" r:id="rId9"/>
-    <p:sldId id="279" r:id="rId10"/>
+    <p:sldId id="278" r:id="rId7"/>
+    <p:sldId id="279" r:id="rId8"/>
+    <p:sldId id="274" r:id="rId9"/>
+    <p:sldId id="277" r:id="rId10"/>
   </p:sldIdLst>
   <p:sldSz cx="12192000" cy="6858000"/>
   <p:notesSz cx="6858000" cy="9144000"/>
@@ -3525,17 +3525,7 @@
                 <a:latin typeface="標楷體" panose="03000509000000000000" pitchFamily="65" charset="-120"/>
                 <a:ea typeface="標楷體" panose="03000509000000000000" pitchFamily="65" charset="-120"/>
               </a:rPr>
-              <a:t>學年</a:t>
-            </a:r>
-            <a:r>
-              <a:rPr lang="zh-TW" altLang="en-US" sz="2800" dirty="0" smtClean="0">
-                <a:solidFill>
-                  <a:srgbClr val="FF0000"/>
-                </a:solidFill>
-                <a:latin typeface="標楷體" panose="03000509000000000000" pitchFamily="65" charset="-120"/>
-                <a:ea typeface="標楷體" panose="03000509000000000000" pitchFamily="65" charset="-120"/>
-              </a:rPr>
-              <a:t>下學期</a:t>
+              <a:t>學年下學期</a:t>
             </a:r>
             <a:r>
               <a:rPr lang="en-US" altLang="zh-TW" sz="2800" dirty="0" smtClean="0">
@@ -4236,17 +4226,7 @@
                   <a:latin typeface="標楷體" panose="03000509000000000000" pitchFamily="65" charset="-120"/>
                   <a:ea typeface="標楷體" panose="03000509000000000000" pitchFamily="65" charset="-120"/>
                 </a:rPr>
-                <a:t>25</a:t>
-              </a:r>
-              <a:r>
-                <a:rPr lang="en-US" altLang="zh-TW" sz="2400" dirty="0" smtClean="0">
-                  <a:solidFill>
-                    <a:srgbClr val="FF0000"/>
-                  </a:solidFill>
-                  <a:latin typeface="標楷體" panose="03000509000000000000" pitchFamily="65" charset="-120"/>
-                  <a:ea typeface="標楷體" panose="03000509000000000000" pitchFamily="65" charset="-120"/>
-                </a:rPr>
-                <a:t>%</a:t>
+                <a:t>25%</a:t>
               </a:r>
               <a:endParaRPr lang="zh-TW" altLang="en-US" sz="2400" dirty="0">
                 <a:solidFill>
@@ -4678,27 +4658,7 @@
                   <a:latin typeface="標楷體" panose="03000509000000000000" pitchFamily="65" charset="-120"/>
                   <a:ea typeface="標楷體" panose="03000509000000000000" pitchFamily="65" charset="-120"/>
                 </a:rPr>
-                <a:t>期</a:t>
-              </a:r>
-              <a:r>
-                <a:rPr lang="zh-TW" altLang="en-US" sz="2400" dirty="0" smtClean="0">
-                  <a:solidFill>
-                    <a:srgbClr val="FF0000"/>
-                  </a:solidFill>
-                  <a:latin typeface="標楷體" panose="03000509000000000000" pitchFamily="65" charset="-120"/>
-                  <a:ea typeface="標楷體" panose="03000509000000000000" pitchFamily="65" charset="-120"/>
-                </a:rPr>
-                <a:t>中</a:t>
-              </a:r>
-              <a:r>
-                <a:rPr lang="zh-TW" altLang="en-US" sz="2400" dirty="0" smtClean="0">
-                  <a:solidFill>
-                    <a:srgbClr val="FF0000"/>
-                  </a:solidFill>
-                  <a:latin typeface="標楷體" panose="03000509000000000000" pitchFamily="65" charset="-120"/>
-                  <a:ea typeface="標楷體" panose="03000509000000000000" pitchFamily="65" charset="-120"/>
-                </a:rPr>
-                <a:t>報告</a:t>
+                <a:t>期中報告</a:t>
               </a:r>
               <a:endParaRPr lang="en-US" altLang="zh-TW" sz="2400" dirty="0" smtClean="0">
                 <a:solidFill>
@@ -4864,17 +4824,7 @@
                 <a:latin typeface="標楷體" panose="03000509000000000000" pitchFamily="65" charset="-120"/>
                 <a:ea typeface="標楷體" panose="03000509000000000000" pitchFamily="65" charset="-120"/>
               </a:rPr>
-              <a:t>D</a:t>
-            </a:r>
-            <a:r>
-              <a:rPr lang="en-US" altLang="zh-TW" dirty="0" smtClean="0">
-                <a:solidFill>
-                  <a:srgbClr val="FF0000"/>
-                </a:solidFill>
-                <a:latin typeface="標楷體" panose="03000509000000000000" pitchFamily="65" charset="-120"/>
-                <a:ea typeface="標楷體" panose="03000509000000000000" pitchFamily="65" charset="-120"/>
-              </a:rPr>
-              <a:t>emo</a:t>
+              <a:t>Demo</a:t>
             </a:r>
             <a:endParaRPr lang="zh-TW" altLang="en-US" dirty="0">
               <a:solidFill>
@@ -4904,7 +4854,7 @@
         </p:spPr>
         <p:txBody>
           <a:bodyPr>
-            <a:normAutofit/>
+            <a:normAutofit lnSpcReduction="10000"/>
           </a:bodyPr>
           <a:lstStyle/>
           <a:p>
@@ -5083,14 +5033,7 @@
                 <a:latin typeface="標楷體" panose="03000509000000000000" pitchFamily="65" charset="-120"/>
                 <a:ea typeface="標楷體" panose="03000509000000000000" pitchFamily="65" charset="-120"/>
               </a:rPr>
-              <a:t>可</a:t>
-            </a:r>
-            <a:r>
-              <a:rPr lang="zh-TW" altLang="en-US" dirty="0" smtClean="0">
-                <a:latin typeface="標楷體" panose="03000509000000000000" pitchFamily="65" charset="-120"/>
-                <a:ea typeface="標楷體" panose="03000509000000000000" pitchFamily="65" charset="-120"/>
-              </a:rPr>
-              <a:t>儲存在</a:t>
+              <a:t>可儲存在</a:t>
             </a:r>
             <a:r>
               <a:rPr lang="en-US" altLang="zh-TW" dirty="0" smtClean="0">
@@ -5099,10 +5042,6 @@
               </a:rPr>
               <a:t>SQLite/Excel</a:t>
             </a:r>
-            <a:endParaRPr lang="en-US" altLang="zh-TW" dirty="0" smtClean="0">
-              <a:latin typeface="標楷體" panose="03000509000000000000" pitchFamily="65" charset="-120"/>
-              <a:ea typeface="標楷體" panose="03000509000000000000" pitchFamily="65" charset="-120"/>
-            </a:endParaRPr>
           </a:p>
           <a:p>
             <a:pPr lvl="1"/>
@@ -5114,30 +5053,64 @@
           <a:p>
             <a:pPr lvl="1"/>
             <a:r>
-              <a:rPr lang="zh-TW" altLang="en-US" dirty="0" smtClean="0">
-                <a:latin typeface="標楷體" panose="03000509000000000000" pitchFamily="65" charset="-120"/>
-                <a:ea typeface="標楷體" panose="03000509000000000000" pitchFamily="65" charset="-120"/>
-              </a:rPr>
-              <a:t>可發佈成</a:t>
-            </a:r>
-            <a:r>
-              <a:rPr lang="en-US" altLang="zh-TW" dirty="0" smtClean="0">
-                <a:latin typeface="標楷體" panose="03000509000000000000" pitchFamily="65" charset="-120"/>
-                <a:ea typeface="標楷體" panose="03000509000000000000" pitchFamily="65" charset="-120"/>
-              </a:rPr>
-              <a:t>.</a:t>
-            </a:r>
-            <a:r>
-              <a:rPr lang="en-US" altLang="zh-TW" dirty="0" smtClean="0">
-                <a:latin typeface="標楷體" panose="03000509000000000000" pitchFamily="65" charset="-120"/>
-                <a:ea typeface="標楷體" panose="03000509000000000000" pitchFamily="65" charset="-120"/>
-              </a:rPr>
-              <a:t>exe</a:t>
+              <a:rPr lang="en-US" altLang="zh-TW" b="1" dirty="0">
+                <a:latin typeface="標楷體" panose="03000509000000000000" pitchFamily="65" charset="-120"/>
+                <a:ea typeface="標楷體" panose="03000509000000000000" pitchFamily="65" charset="-120"/>
+              </a:rPr>
+              <a:t>(</a:t>
+            </a:r>
+            <a:r>
+              <a:rPr lang="zh-TW" altLang="en-US" b="1" dirty="0">
+                <a:solidFill>
+                  <a:srgbClr val="FF0000"/>
+                </a:solidFill>
+                <a:latin typeface="標楷體" panose="03000509000000000000" pitchFamily="65" charset="-120"/>
+                <a:ea typeface="標楷體" panose="03000509000000000000" pitchFamily="65" charset="-120"/>
+              </a:rPr>
+              <a:t>老師會指定請同學說明某一段程式碼</a:t>
+            </a:r>
+            <a:r>
+              <a:rPr lang="en-US" altLang="zh-TW" b="1" dirty="0" smtClean="0">
+                <a:latin typeface="標楷體" panose="03000509000000000000" pitchFamily="65" charset="-120"/>
+                <a:ea typeface="標楷體" panose="03000509000000000000" pitchFamily="65" charset="-120"/>
+              </a:rPr>
+              <a:t>)</a:t>
             </a:r>
             <a:endParaRPr lang="en-US" altLang="zh-TW" dirty="0" smtClean="0">
               <a:latin typeface="標楷體" panose="03000509000000000000" pitchFamily="65" charset="-120"/>
               <a:ea typeface="標楷體" panose="03000509000000000000" pitchFamily="65" charset="-120"/>
             </a:endParaRPr>
+          </a:p>
+          <a:p>
+            <a:pPr lvl="1"/>
+            <a:r>
+              <a:rPr lang="en-US" altLang="zh-TW" dirty="0" smtClean="0">
+                <a:latin typeface="標楷體" panose="03000509000000000000" pitchFamily="65" charset="-120"/>
+                <a:ea typeface="標楷體" panose="03000509000000000000" pitchFamily="65" charset="-120"/>
+              </a:rPr>
+              <a:t>PS:</a:t>
+            </a:r>
+            <a:r>
+              <a:rPr lang="zh-TW" altLang="en-US" dirty="0" smtClean="0">
+                <a:latin typeface="標楷體" panose="03000509000000000000" pitchFamily="65" charset="-120"/>
+                <a:ea typeface="標楷體" panose="03000509000000000000" pitchFamily="65" charset="-120"/>
+              </a:rPr>
+              <a:t>可</a:t>
+            </a:r>
+            <a:r>
+              <a:rPr lang="zh-TW" altLang="en-US" dirty="0" smtClean="0">
+                <a:latin typeface="標楷體" panose="03000509000000000000" pitchFamily="65" charset="-120"/>
+                <a:ea typeface="標楷體" panose="03000509000000000000" pitchFamily="65" charset="-120"/>
+              </a:rPr>
+              <a:t>發佈成</a:t>
+            </a:r>
+            <a:r>
+              <a:rPr lang="en-US" altLang="zh-TW" dirty="0" smtClean="0">
+                <a:latin typeface="標楷體" panose="03000509000000000000" pitchFamily="65" charset="-120"/>
+                <a:ea typeface="標楷體" panose="03000509000000000000" pitchFamily="65" charset="-120"/>
+              </a:rPr>
+              <a:t>.exe</a:t>
+            </a:r>
           </a:p>
           <a:p>
             <a:pPr marL="0" indent="0">
@@ -5457,16 +5430,6 @@
               <a:t>Midterm </a:t>
             </a:r>
             <a:r>
-              <a:rPr lang="en-US" altLang="zh-TW" dirty="0" err="1" smtClean="0">
-                <a:solidFill>
-                  <a:srgbClr val="FF0000"/>
-                </a:solidFill>
-                <a:latin typeface="標楷體" panose="03000509000000000000" pitchFamily="65" charset="-120"/>
-                <a:ea typeface="標楷體" panose="03000509000000000000" pitchFamily="65" charset="-120"/>
-              </a:rPr>
-              <a:t>exal</a:t>
-            </a:r>
-            <a:r>
               <a:rPr lang="en-US" altLang="zh-TW" dirty="0" smtClean="0">
                 <a:solidFill>
                   <a:srgbClr val="FF0000"/>
@@ -5474,7 +5437,17 @@
                 <a:latin typeface="標楷體" panose="03000509000000000000" pitchFamily="65" charset="-120"/>
                 <a:ea typeface="標楷體" panose="03000509000000000000" pitchFamily="65" charset="-120"/>
               </a:rPr>
-              <a:t> </a:t>
+              <a:t>exam </a:t>
+            </a:r>
+            <a:r>
+              <a:rPr lang="en-US" altLang="zh-TW" dirty="0" smtClean="0">
+                <a:solidFill>
+                  <a:srgbClr val="FF0000"/>
+                </a:solidFill>
+                <a:latin typeface="標楷體" panose="03000509000000000000" pitchFamily="65" charset="-120"/>
+                <a:ea typeface="標楷體" panose="03000509000000000000" pitchFamily="65" charset="-120"/>
+              </a:rPr>
+              <a:t/>
             </a:r>
             <a:br>
               <a:rPr lang="en-US" altLang="zh-TW" dirty="0" smtClean="0">
@@ -5538,226 +5511,447 @@
         <p:spPr>
           <a:xfrm>
             <a:off x="967596" y="1509533"/>
-            <a:ext cx="10515600" cy="4730450"/>
+            <a:ext cx="10515600" cy="5056024"/>
           </a:xfrm>
         </p:spPr>
         <p:txBody>
           <a:bodyPr>
-            <a:normAutofit lnSpcReduction="10000"/>
+            <a:normAutofit fontScale="77500" lnSpcReduction="20000"/>
           </a:bodyPr>
           <a:lstStyle/>
           <a:p>
             <a:r>
-              <a:rPr lang="zh-TW" altLang="en-US" b="1" dirty="0" smtClean="0">
+              <a:rPr lang="zh-TW" altLang="en-US" dirty="0" smtClean="0">
                 <a:solidFill>
                   <a:srgbClr val="0000FF"/>
                 </a:solidFill>
                 <a:latin typeface="標楷體" panose="03000509000000000000" pitchFamily="65" charset="-120"/>
                 <a:ea typeface="標楷體" panose="03000509000000000000" pitchFamily="65" charset="-120"/>
               </a:rPr>
-              <a:t>垃圾郵件</a:t>
-            </a:r>
-            <a:r>
-              <a:rPr lang="zh-TW" altLang="en-US" b="1" dirty="0">
+              <a:t>在</a:t>
+            </a:r>
+            <a:r>
+              <a:rPr lang="en-US" altLang="zh-TW" dirty="0" err="1">
                 <a:solidFill>
                   <a:srgbClr val="0000FF"/>
                 </a:solidFill>
                 <a:latin typeface="標楷體" panose="03000509000000000000" pitchFamily="65" charset="-120"/>
                 <a:ea typeface="標楷體" panose="03000509000000000000" pitchFamily="65" charset="-120"/>
               </a:rPr>
-              <a:t>分類</a:t>
-            </a:r>
-            <a:r>
-              <a:rPr lang="zh-TW" altLang="en-US" b="1" dirty="0" smtClean="0">
+              <a:t>Kaggle</a:t>
+            </a:r>
+            <a:r>
+              <a:rPr lang="zh-TW" altLang="en-US" dirty="0">
                 <a:solidFill>
                   <a:srgbClr val="0000FF"/>
                 </a:solidFill>
                 <a:latin typeface="標楷體" panose="03000509000000000000" pitchFamily="65" charset="-120"/>
                 <a:ea typeface="標楷體" panose="03000509000000000000" pitchFamily="65" charset="-120"/>
               </a:rPr>
-              <a:t>器</a:t>
-            </a:r>
-            <a:endParaRPr lang="en-US" altLang="zh-TW" b="1" dirty="0" smtClean="0">
+              <a:t>上搜尋自己有興趣的主題 </a:t>
+            </a:r>
+            <a:r>
+              <a:rPr lang="en-US" altLang="zh-TW" dirty="0">
+                <a:solidFill>
+                  <a:srgbClr val="0000FF"/>
+                </a:solidFill>
+                <a:latin typeface="標楷體" panose="03000509000000000000" pitchFamily="65" charset="-120"/>
+                <a:ea typeface="標楷體" panose="03000509000000000000" pitchFamily="65" charset="-120"/>
+              </a:rPr>
+              <a:t>(</a:t>
+            </a:r>
+            <a:r>
+              <a:rPr lang="zh-TW" altLang="en-US" dirty="0">
+                <a:solidFill>
+                  <a:srgbClr val="0000FF"/>
+                </a:solidFill>
+                <a:latin typeface="標楷體" panose="03000509000000000000" pitchFamily="65" charset="-120"/>
+                <a:ea typeface="標楷體" panose="03000509000000000000" pitchFamily="65" charset="-120"/>
+              </a:rPr>
+              <a:t>不限</a:t>
+            </a:r>
+            <a:r>
+              <a:rPr lang="en-US" altLang="zh-TW" dirty="0">
+                <a:solidFill>
+                  <a:srgbClr val="0000FF"/>
+                </a:solidFill>
+                <a:latin typeface="標楷體" panose="03000509000000000000" pitchFamily="65" charset="-120"/>
+                <a:ea typeface="標楷體" panose="03000509000000000000" pitchFamily="65" charset="-120"/>
+              </a:rPr>
+              <a:t>), </a:t>
+            </a:r>
+            <a:r>
+              <a:rPr lang="zh-TW" altLang="en-US" dirty="0">
+                <a:solidFill>
+                  <a:srgbClr val="0000FF"/>
+                </a:solidFill>
+                <a:latin typeface="標楷體" panose="03000509000000000000" pitchFamily="65" charset="-120"/>
+                <a:ea typeface="標楷體" panose="03000509000000000000" pitchFamily="65" charset="-120"/>
+              </a:rPr>
+              <a:t>但最好是它的產出</a:t>
+            </a:r>
+            <a:r>
+              <a:rPr lang="en-US" altLang="zh-TW" dirty="0">
+                <a:solidFill>
+                  <a:srgbClr val="0000FF"/>
+                </a:solidFill>
+                <a:latin typeface="標楷體" panose="03000509000000000000" pitchFamily="65" charset="-120"/>
+                <a:ea typeface="標楷體" panose="03000509000000000000" pitchFamily="65" charset="-120"/>
+              </a:rPr>
+              <a:t>(outcome)</a:t>
+            </a:r>
+            <a:r>
+              <a:rPr lang="zh-TW" altLang="en-US" dirty="0">
+                <a:solidFill>
+                  <a:srgbClr val="0000FF"/>
+                </a:solidFill>
+                <a:latin typeface="標楷體" panose="03000509000000000000" pitchFamily="65" charset="-120"/>
+                <a:ea typeface="標楷體" panose="03000509000000000000" pitchFamily="65" charset="-120"/>
+              </a:rPr>
+              <a:t>是有圖表</a:t>
+            </a:r>
+            <a:r>
+              <a:rPr lang="zh-TW" altLang="en-US" dirty="0" smtClean="0">
+                <a:solidFill>
+                  <a:srgbClr val="0000FF"/>
+                </a:solidFill>
+                <a:latin typeface="標楷體" panose="03000509000000000000" pitchFamily="65" charset="-120"/>
+                <a:ea typeface="標楷體" panose="03000509000000000000" pitchFamily="65" charset="-120"/>
+              </a:rPr>
+              <a:t>的</a:t>
+            </a:r>
+            <a:r>
+              <a:rPr lang="zh-TW" altLang="en-US" dirty="0">
+                <a:solidFill>
+                  <a:srgbClr val="0000FF"/>
+                </a:solidFill>
+                <a:latin typeface="標楷體" panose="03000509000000000000" pitchFamily="65" charset="-120"/>
+                <a:ea typeface="標楷體" panose="03000509000000000000" pitchFamily="65" charset="-120"/>
+              </a:rPr>
+              <a:t>，</a:t>
+            </a:r>
+            <a:r>
+              <a:rPr lang="zh-TW" altLang="en-US" dirty="0" smtClean="0">
+                <a:solidFill>
+                  <a:srgbClr val="FF0000"/>
+                </a:solidFill>
+                <a:latin typeface="標楷體" panose="03000509000000000000" pitchFamily="65" charset="-120"/>
+                <a:ea typeface="標楷體" panose="03000509000000000000" pitchFamily="65" charset="-120"/>
+              </a:rPr>
+              <a:t>說明</a:t>
+            </a:r>
+            <a:r>
+              <a:rPr lang="zh-TW" altLang="en-US" dirty="0">
+                <a:solidFill>
+                  <a:srgbClr val="FF0000"/>
+                </a:solidFill>
+                <a:latin typeface="標楷體" panose="03000509000000000000" pitchFamily="65" charset="-120"/>
+                <a:ea typeface="標楷體" panose="03000509000000000000" pitchFamily="65" charset="-120"/>
+              </a:rPr>
+              <a:t>圖表的</a:t>
+            </a:r>
+            <a:r>
+              <a:rPr lang="zh-TW" altLang="en-US" dirty="0" smtClean="0">
+                <a:solidFill>
+                  <a:srgbClr val="FF0000"/>
+                </a:solidFill>
+                <a:latin typeface="標楷體" panose="03000509000000000000" pitchFamily="65" charset="-120"/>
+                <a:ea typeface="標楷體" panose="03000509000000000000" pitchFamily="65" charset="-120"/>
+              </a:rPr>
+              <a:t>意思</a:t>
+            </a:r>
+            <a:endParaRPr lang="en-US" altLang="zh-TW" dirty="0" smtClean="0">
               <a:solidFill>
-                <a:srgbClr val="0000FF"/>
+                <a:srgbClr val="FF0000"/>
               </a:solidFill>
               <a:latin typeface="標楷體" panose="03000509000000000000" pitchFamily="65" charset="-120"/>
               <a:ea typeface="標楷體" panose="03000509000000000000" pitchFamily="65" charset="-120"/>
             </a:endParaRPr>
           </a:p>
           <a:p>
+            <a:r>
+              <a:rPr lang="zh-TW" altLang="en-US" dirty="0">
+                <a:solidFill>
+                  <a:srgbClr val="0000FF"/>
+                </a:solidFill>
+                <a:latin typeface="標楷體" panose="03000509000000000000" pitchFamily="65" charset="-120"/>
+                <a:ea typeface="標楷體" panose="03000509000000000000" pitchFamily="65" charset="-120"/>
+              </a:rPr>
+              <a:t>以下是可以參考的主題</a:t>
+            </a:r>
+          </a:p>
+          <a:p>
+            <a:r>
+              <a:rPr lang="en-US" altLang="zh-TW" dirty="0" smtClean="0">
+                <a:solidFill>
+                  <a:srgbClr val="0000FF"/>
+                </a:solidFill>
+                <a:latin typeface="標楷體" panose="03000509000000000000" pitchFamily="65" charset="-120"/>
+                <a:ea typeface="標楷體" panose="03000509000000000000" pitchFamily="65" charset="-120"/>
+              </a:rPr>
+              <a:t>-</a:t>
+            </a:r>
+          </a:p>
+          <a:p>
+            <a:r>
+              <a:rPr lang="en-US" altLang="zh-TW" dirty="0" smtClean="0">
+                <a:latin typeface="標楷體" panose="03000509000000000000" pitchFamily="65" charset="-120"/>
+                <a:ea typeface="標楷體" panose="03000509000000000000" pitchFamily="65" charset="-120"/>
+              </a:rPr>
+              <a:t>1.Insurance </a:t>
+            </a:r>
+            <a:r>
+              <a:rPr lang="en-US" altLang="zh-TW" dirty="0">
+                <a:latin typeface="標楷體" panose="03000509000000000000" pitchFamily="65" charset="-120"/>
+                <a:ea typeface="標楷體" panose="03000509000000000000" pitchFamily="65" charset="-120"/>
+              </a:rPr>
+              <a:t>Fraud </a:t>
+            </a:r>
+            <a:r>
+              <a:rPr lang="zh-TW" altLang="en-US" dirty="0">
+                <a:latin typeface="標楷體" panose="03000509000000000000" pitchFamily="65" charset="-120"/>
+                <a:ea typeface="標楷體" panose="03000509000000000000" pitchFamily="65" charset="-120"/>
+              </a:rPr>
+              <a:t>保險理賠是否為詐欺 </a:t>
+            </a:r>
+            <a:r>
+              <a:rPr lang="en-US" altLang="zh-TW" dirty="0">
+                <a:latin typeface="標楷體" panose="03000509000000000000" pitchFamily="65" charset="-120"/>
+                <a:ea typeface="標楷體" panose="03000509000000000000" pitchFamily="65" charset="-120"/>
+              </a:rPr>
+              <a:t>(Vehicle Insurance Fraud Detection)</a:t>
+            </a:r>
+          </a:p>
+          <a:p>
+            <a:r>
+              <a:rPr lang="en-US" altLang="zh-TW" dirty="0" smtClean="0">
+                <a:latin typeface="標楷體" panose="03000509000000000000" pitchFamily="65" charset="-120"/>
+                <a:ea typeface="標楷體" panose="03000509000000000000" pitchFamily="65" charset="-120"/>
+              </a:rPr>
+              <a:t>2.Invest/Financial </a:t>
+            </a:r>
+            <a:r>
+              <a:rPr lang="en-US" altLang="zh-TW" dirty="0">
+                <a:latin typeface="標楷體" panose="03000509000000000000" pitchFamily="65" charset="-120"/>
+                <a:ea typeface="標楷體" panose="03000509000000000000" pitchFamily="65" charset="-120"/>
+              </a:rPr>
+              <a:t>analysis (Investment and Financial Analysis )</a:t>
+            </a:r>
+          </a:p>
+          <a:p>
+            <a:r>
+              <a:rPr lang="en-US" altLang="zh-TW" dirty="0" smtClean="0">
+                <a:latin typeface="標楷體" panose="03000509000000000000" pitchFamily="65" charset="-120"/>
+                <a:ea typeface="標楷體" panose="03000509000000000000" pitchFamily="65" charset="-120"/>
+              </a:rPr>
+              <a:t>3.Stock</a:t>
+            </a:r>
+            <a:r>
+              <a:rPr lang="zh-TW" altLang="en-US" b="1" dirty="0">
+                <a:latin typeface="標楷體" panose="03000509000000000000" pitchFamily="65" charset="-120"/>
+                <a:ea typeface="標楷體" panose="03000509000000000000" pitchFamily="65" charset="-120"/>
+              </a:rPr>
+              <a:t>股價預測</a:t>
+            </a:r>
             <a:endParaRPr lang="en-US" altLang="zh-TW" b="1" dirty="0">
-              <a:solidFill>
-                <a:srgbClr val="0000FF"/>
-              </a:solidFill>
               <a:latin typeface="標楷體" panose="03000509000000000000" pitchFamily="65" charset="-120"/>
               <a:ea typeface="標楷體" panose="03000509000000000000" pitchFamily="65" charset="-120"/>
             </a:endParaRPr>
           </a:p>
           <a:p>
             <a:r>
-              <a:rPr lang="en-US" altLang="zh-TW" b="1" dirty="0" smtClean="0">
-                <a:solidFill>
-                  <a:srgbClr val="0000FF"/>
-                </a:solidFill>
-                <a:latin typeface="標楷體" panose="03000509000000000000" pitchFamily="65" charset="-120"/>
-                <a:ea typeface="標楷體" panose="03000509000000000000" pitchFamily="65" charset="-120"/>
-              </a:rPr>
-              <a:t>RFM</a:t>
-            </a:r>
-            <a:r>
-              <a:rPr lang="zh-TW" altLang="en-US" b="1" dirty="0" smtClean="0">
-                <a:solidFill>
-                  <a:srgbClr val="0000FF"/>
-                </a:solidFill>
+              <a:rPr lang="en-US" altLang="zh-TW" dirty="0" smtClean="0">
+                <a:latin typeface="標楷體" panose="03000509000000000000" pitchFamily="65" charset="-120"/>
+                <a:ea typeface="標楷體" panose="03000509000000000000" pitchFamily="65" charset="-120"/>
+              </a:rPr>
+              <a:t>4.RFM</a:t>
+            </a:r>
+            <a:r>
+              <a:rPr lang="zh-TW" altLang="en-US" dirty="0">
                 <a:latin typeface="標楷體" panose="03000509000000000000" pitchFamily="65" charset="-120"/>
                 <a:ea typeface="標楷體" panose="03000509000000000000" pitchFamily="65" charset="-120"/>
               </a:rPr>
               <a:t>分析</a:t>
             </a:r>
             <a:r>
-              <a:rPr lang="en-US" altLang="zh-TW" b="1" dirty="0" smtClean="0">
-                <a:solidFill>
-                  <a:srgbClr val="0000FF"/>
-                </a:solidFill>
-                <a:latin typeface="標楷體" panose="03000509000000000000" pitchFamily="65" charset="-120"/>
-                <a:ea typeface="標楷體" panose="03000509000000000000" pitchFamily="65" charset="-120"/>
-              </a:rPr>
-              <a:t>/</a:t>
-            </a:r>
-            <a:r>
-              <a:rPr lang="zh-TW" altLang="en-US" b="1" dirty="0" smtClean="0">
-                <a:solidFill>
-                  <a:srgbClr val="0000FF"/>
-                </a:solidFill>
-                <a:latin typeface="標楷體" panose="03000509000000000000" pitchFamily="65" charset="-120"/>
-                <a:ea typeface="標楷體" panose="03000509000000000000" pitchFamily="65" charset="-120"/>
-              </a:rPr>
-              <a:t>股價預測</a:t>
-            </a:r>
-            <a:endParaRPr lang="en-US" altLang="zh-TW" b="1" dirty="0" smtClean="0">
-              <a:solidFill>
-                <a:srgbClr val="0000FF"/>
-              </a:solidFill>
+              <a:rPr lang="en-US" altLang="zh-TW" dirty="0">
+                <a:latin typeface="標楷體" panose="03000509000000000000" pitchFamily="65" charset="-120"/>
+                <a:ea typeface="標楷體" panose="03000509000000000000" pitchFamily="65" charset="-120"/>
+              </a:rPr>
+              <a:t>(</a:t>
+            </a:r>
+            <a:r>
+              <a:rPr lang="zh-TW" altLang="en-US" dirty="0">
+                <a:latin typeface="標楷體" panose="03000509000000000000" pitchFamily="65" charset="-120"/>
+                <a:ea typeface="標楷體" panose="03000509000000000000" pitchFamily="65" charset="-120"/>
+              </a:rPr>
+              <a:t>客戶關係管理 </a:t>
+            </a:r>
+            <a:r>
+              <a:rPr lang="en-US" altLang="zh-TW" dirty="0">
+                <a:latin typeface="標楷體" panose="03000509000000000000" pitchFamily="65" charset="-120"/>
+                <a:ea typeface="標楷體" panose="03000509000000000000" pitchFamily="65" charset="-120"/>
+              </a:rPr>
+              <a:t>(CRM</a:t>
+            </a:r>
+            <a:r>
+              <a:rPr lang="en-US" altLang="zh-TW" dirty="0" smtClean="0">
+                <a:latin typeface="標楷體" panose="03000509000000000000" pitchFamily="65" charset="-120"/>
+                <a:ea typeface="標楷體" panose="03000509000000000000" pitchFamily="65" charset="-120"/>
+              </a:rPr>
+              <a:t>)</a:t>
+            </a:r>
+          </a:p>
+          <a:p>
+            <a:endParaRPr lang="en-US" altLang="zh-TW" dirty="0">
               <a:latin typeface="標楷體" panose="03000509000000000000" pitchFamily="65" charset="-120"/>
               <a:ea typeface="標楷體" panose="03000509000000000000" pitchFamily="65" charset="-120"/>
             </a:endParaRPr>
           </a:p>
           <a:p>
-            <a:endParaRPr lang="en-US" altLang="zh-TW" b="1" dirty="0">
-              <a:solidFill>
-                <a:srgbClr val="0000FF"/>
-              </a:solidFill>
+            <a:r>
+              <a:rPr lang="en-US" altLang="zh-TW" dirty="0" smtClean="0">
+                <a:latin typeface="標楷體" panose="03000509000000000000" pitchFamily="65" charset="-120"/>
+                <a:ea typeface="標楷體" panose="03000509000000000000" pitchFamily="65" charset="-120"/>
+              </a:rPr>
+              <a:t>5.SPAM</a:t>
+            </a:r>
+            <a:r>
+              <a:rPr lang="zh-TW" altLang="en-US" b="1" dirty="0">
+                <a:latin typeface="標楷體" panose="03000509000000000000" pitchFamily="65" charset="-120"/>
+                <a:ea typeface="標楷體" panose="03000509000000000000" pitchFamily="65" charset="-120"/>
+              </a:rPr>
+              <a:t>垃圾郵件分類</a:t>
+            </a:r>
+            <a:r>
+              <a:rPr lang="zh-TW" altLang="en-US" b="1" dirty="0" smtClean="0">
+                <a:latin typeface="標楷體" panose="03000509000000000000" pitchFamily="65" charset="-120"/>
+                <a:ea typeface="標楷體" panose="03000509000000000000" pitchFamily="65" charset="-120"/>
+              </a:rPr>
+              <a:t>器</a:t>
+            </a:r>
+            <a:endParaRPr lang="en-US" altLang="zh-TW" dirty="0">
               <a:latin typeface="標楷體" panose="03000509000000000000" pitchFamily="65" charset="-120"/>
               <a:ea typeface="標楷體" panose="03000509000000000000" pitchFamily="65" charset="-120"/>
             </a:endParaRPr>
           </a:p>
           <a:p>
             <a:r>
-              <a:rPr lang="zh-TW" altLang="en-US" dirty="0" smtClean="0">
-                <a:solidFill>
-                  <a:srgbClr val="0000FF"/>
-                </a:solidFill>
-                <a:latin typeface="標楷體" panose="03000509000000000000" pitchFamily="65" charset="-120"/>
-                <a:ea typeface="標楷體" panose="03000509000000000000" pitchFamily="65" charset="-120"/>
-              </a:rPr>
-              <a:t>網路爬蟲</a:t>
-            </a:r>
-            <a:endParaRPr lang="en-US" altLang="zh-TW" dirty="0" smtClean="0">
-              <a:solidFill>
-                <a:srgbClr val="0000FF"/>
-              </a:solidFill>
+              <a:rPr lang="en-US" altLang="zh-TW" dirty="0" smtClean="0">
+                <a:latin typeface="標楷體" panose="03000509000000000000" pitchFamily="65" charset="-120"/>
+                <a:ea typeface="標楷體" panose="03000509000000000000" pitchFamily="65" charset="-120"/>
+              </a:rPr>
+              <a:t>6.Titanic </a:t>
+            </a:r>
+            <a:r>
+              <a:rPr lang="zh-TW" altLang="en-US" dirty="0">
+                <a:latin typeface="標楷體" panose="03000509000000000000" pitchFamily="65" charset="-120"/>
+                <a:ea typeface="標楷體" panose="03000509000000000000" pitchFamily="65" charset="-120"/>
+              </a:rPr>
+              <a:t>鐵達尼號</a:t>
+            </a:r>
+          </a:p>
+          <a:p>
+            <a:endParaRPr lang="zh-TW" altLang="en-US" dirty="0">
               <a:latin typeface="標楷體" panose="03000509000000000000" pitchFamily="65" charset="-120"/>
               <a:ea typeface="標楷體" panose="03000509000000000000" pitchFamily="65" charset="-120"/>
             </a:endParaRPr>
           </a:p>
           <a:p>
-            <a:pPr lvl="1"/>
+            <a:r>
+              <a:rPr lang="en-US" altLang="zh-TW" dirty="0" smtClean="0">
+                <a:latin typeface="標楷體" panose="03000509000000000000" pitchFamily="65" charset="-120"/>
+                <a:ea typeface="標楷體" panose="03000509000000000000" pitchFamily="65" charset="-120"/>
+              </a:rPr>
+              <a:t>7.credit-default-risk </a:t>
+            </a:r>
             <a:r>
               <a:rPr lang="zh-TW" altLang="en-US" dirty="0" smtClean="0">
                 <a:latin typeface="標楷體" panose="03000509000000000000" pitchFamily="65" charset="-120"/>
                 <a:ea typeface="標楷體" panose="03000509000000000000" pitchFamily="65" charset="-120"/>
               </a:rPr>
-              <a:t>網頁解析</a:t>
+              <a:t>貸款風險預測</a:t>
+            </a:r>
+            <a:r>
+              <a:rPr lang="en-US" altLang="zh-TW" dirty="0" smtClean="0">
+                <a:latin typeface="標楷體" panose="03000509000000000000" pitchFamily="65" charset="-120"/>
+                <a:ea typeface="標楷體" panose="03000509000000000000" pitchFamily="65" charset="-120"/>
+              </a:rPr>
+              <a:t>/Give </a:t>
+            </a:r>
+            <a:r>
+              <a:rPr lang="en-US" altLang="zh-TW" dirty="0">
+                <a:latin typeface="標楷體" panose="03000509000000000000" pitchFamily="65" charset="-120"/>
+                <a:ea typeface="標楷體" panose="03000509000000000000" pitchFamily="65" charset="-120"/>
+              </a:rPr>
+              <a:t>Me Some </a:t>
+            </a:r>
+            <a:r>
+              <a:rPr lang="en-US" altLang="zh-TW" dirty="0" smtClean="0">
+                <a:latin typeface="標楷體" panose="03000509000000000000" pitchFamily="65" charset="-120"/>
+                <a:ea typeface="標楷體" panose="03000509000000000000" pitchFamily="65" charset="-120"/>
+              </a:rPr>
+              <a:t>Credit</a:t>
+            </a:r>
+            <a:r>
+              <a:rPr lang="zh-TW" altLang="en-US" dirty="0" smtClean="0">
+                <a:latin typeface="標楷體" panose="03000509000000000000" pitchFamily="65" charset="-120"/>
+                <a:ea typeface="標楷體" panose="03000509000000000000" pitchFamily="65" charset="-120"/>
+              </a:rPr>
+              <a:t>信用</a:t>
+            </a:r>
+            <a:r>
+              <a:rPr lang="zh-TW" altLang="en-US" dirty="0">
+                <a:latin typeface="標楷體" panose="03000509000000000000" pitchFamily="65" charset="-120"/>
+                <a:ea typeface="標楷體" panose="03000509000000000000" pitchFamily="65" charset="-120"/>
+              </a:rPr>
+              <a:t>風險建</a:t>
+            </a:r>
+            <a:r>
+              <a:rPr lang="zh-TW" altLang="en-US" dirty="0" smtClean="0">
+                <a:latin typeface="標楷體" panose="03000509000000000000" pitchFamily="65" charset="-120"/>
+                <a:ea typeface="標楷體" panose="03000509000000000000" pitchFamily="65" charset="-120"/>
+              </a:rPr>
+              <a:t>模</a:t>
+            </a:r>
+            <a:endParaRPr lang="zh-TW" altLang="en-US" dirty="0">
+              <a:latin typeface="標楷體" panose="03000509000000000000" pitchFamily="65" charset="-120"/>
+              <a:ea typeface="標楷體" panose="03000509000000000000" pitchFamily="65" charset="-120"/>
+            </a:endParaRPr>
+          </a:p>
+          <a:p>
+            <a:r>
+              <a:rPr lang="en-US" altLang="zh-TW" dirty="0" smtClean="0">
+                <a:latin typeface="標楷體" panose="03000509000000000000" pitchFamily="65" charset="-120"/>
+                <a:ea typeface="標楷體" panose="03000509000000000000" pitchFamily="65" charset="-120"/>
+              </a:rPr>
+              <a:t>8.ImageNet </a:t>
+            </a:r>
+            <a:r>
+              <a:rPr lang="en-US" altLang="zh-TW" dirty="0">
+                <a:latin typeface="標楷體" panose="03000509000000000000" pitchFamily="65" charset="-120"/>
+                <a:ea typeface="標楷體" panose="03000509000000000000" pitchFamily="65" charset="-120"/>
+              </a:rPr>
+              <a:t>/ Open Images Dataset </a:t>
+            </a:r>
+            <a:r>
+              <a:rPr lang="zh-TW" altLang="en-US" dirty="0">
+                <a:latin typeface="標楷體" panose="03000509000000000000" pitchFamily="65" charset="-120"/>
+                <a:ea typeface="標楷體" panose="03000509000000000000" pitchFamily="65" charset="-120"/>
+              </a:rPr>
+              <a:t>影像與多媒體大</a:t>
+            </a:r>
+            <a:r>
+              <a:rPr lang="zh-TW" altLang="en-US" dirty="0" smtClean="0">
+                <a:latin typeface="標楷體" panose="03000509000000000000" pitchFamily="65" charset="-120"/>
+                <a:ea typeface="標楷體" panose="03000509000000000000" pitchFamily="65" charset="-120"/>
+              </a:rPr>
+              <a:t>數據</a:t>
             </a:r>
             <a:endParaRPr lang="en-US" altLang="zh-TW" dirty="0" smtClean="0">
               <a:latin typeface="標楷體" panose="03000509000000000000" pitchFamily="65" charset="-120"/>
               <a:ea typeface="標楷體" panose="03000509000000000000" pitchFamily="65" charset="-120"/>
             </a:endParaRPr>
-          </a:p>
-          <a:p>
-            <a:pPr lvl="1"/>
-            <a:endParaRPr lang="en-US" altLang="zh-TW" dirty="0">
-              <a:latin typeface="標楷體" panose="03000509000000000000" pitchFamily="65" charset="-120"/>
-              <a:ea typeface="標楷體" panose="03000509000000000000" pitchFamily="65" charset="-120"/>
-            </a:endParaRPr>
-          </a:p>
-          <a:p>
-            <a:r>
-              <a:rPr lang="zh-TW" altLang="en-US" dirty="0" smtClean="0">
-                <a:solidFill>
-                  <a:srgbClr val="0000FF"/>
-                </a:solidFill>
-                <a:latin typeface="標楷體" panose="03000509000000000000" pitchFamily="65" charset="-120"/>
-                <a:ea typeface="標楷體" panose="03000509000000000000" pitchFamily="65" charset="-120"/>
-              </a:rPr>
-              <a:t>圖片</a:t>
-            </a:r>
-            <a:r>
-              <a:rPr lang="zh-TW" altLang="en-US" dirty="0" smtClean="0">
-                <a:solidFill>
-                  <a:srgbClr val="0000FF"/>
-                </a:solidFill>
-                <a:latin typeface="標楷體" panose="03000509000000000000" pitchFamily="65" charset="-120"/>
-                <a:ea typeface="標楷體" panose="03000509000000000000" pitchFamily="65" charset="-120"/>
-              </a:rPr>
-              <a:t>增量</a:t>
-            </a:r>
-            <a:endParaRPr lang="en-US" altLang="zh-TW" dirty="0" smtClean="0">
-              <a:solidFill>
-                <a:srgbClr val="0000FF"/>
-              </a:solidFill>
-              <a:latin typeface="標楷體" panose="03000509000000000000" pitchFamily="65" charset="-120"/>
-              <a:ea typeface="標楷體" panose="03000509000000000000" pitchFamily="65" charset="-120"/>
-            </a:endParaRPr>
-          </a:p>
-          <a:p>
-            <a:endParaRPr lang="en-US" altLang="zh-TW" dirty="0">
-              <a:solidFill>
-                <a:srgbClr val="0000FF"/>
-              </a:solidFill>
-              <a:latin typeface="標楷體" panose="03000509000000000000" pitchFamily="65" charset="-120"/>
-              <a:ea typeface="標楷體" panose="03000509000000000000" pitchFamily="65" charset="-120"/>
-            </a:endParaRPr>
-          </a:p>
-          <a:p>
-            <a:r>
-              <a:rPr lang="en-US" altLang="zh-TW" dirty="0" smtClean="0">
-                <a:solidFill>
-                  <a:srgbClr val="0000FF"/>
-                </a:solidFill>
-                <a:latin typeface="標楷體" panose="03000509000000000000" pitchFamily="65" charset="-120"/>
-                <a:ea typeface="標楷體" panose="03000509000000000000" pitchFamily="65" charset="-120"/>
-              </a:rPr>
-              <a:t>…</a:t>
-            </a:r>
-            <a:endParaRPr lang="en-US" altLang="zh-TW" dirty="0">
-              <a:solidFill>
-                <a:srgbClr val="0000FF"/>
-              </a:solidFill>
-              <a:latin typeface="標楷體" panose="03000509000000000000" pitchFamily="65" charset="-120"/>
-              <a:ea typeface="標楷體" panose="03000509000000000000" pitchFamily="65" charset="-120"/>
-            </a:endParaRPr>
-          </a:p>
-          <a:p>
-            <a:pPr lvl="2"/>
-            <a:endParaRPr lang="en-US" altLang="zh-TW" dirty="0">
-              <a:latin typeface="標楷體" panose="03000509000000000000" pitchFamily="65" charset="-120"/>
-              <a:ea typeface="標楷體" panose="03000509000000000000" pitchFamily="65" charset="-120"/>
-            </a:endParaRPr>
-          </a:p>
-          <a:p>
-            <a:endParaRPr lang="zh-TW" altLang="en-US" dirty="0"/>
           </a:p>
         </p:txBody>
       </p:sp>
@@ -5810,6 +6004,929 @@
         </p:nvSpPr>
         <p:spPr>
           <a:xfrm>
+            <a:off x="673100" y="97270"/>
+            <a:ext cx="10845800" cy="1325563"/>
+          </a:xfrm>
+        </p:spPr>
+        <p:txBody>
+          <a:bodyPr/>
+          <a:lstStyle/>
+          <a:p>
+            <a:pPr algn="r"/>
+            <a:r>
+              <a:rPr lang="zh-TW" altLang="en-US" dirty="0">
+                <a:solidFill>
+                  <a:srgbClr val="FF0000"/>
+                </a:solidFill>
+                <a:latin typeface="標楷體" panose="03000509000000000000" pitchFamily="65" charset="-120"/>
+                <a:ea typeface="標楷體" panose="03000509000000000000" pitchFamily="65" charset="-120"/>
+              </a:rPr>
+              <a:t>第</a:t>
+            </a:r>
+            <a:r>
+              <a:rPr lang="en-US" altLang="zh-TW" dirty="0">
+                <a:solidFill>
+                  <a:srgbClr val="FF0000"/>
+                </a:solidFill>
+                <a:latin typeface="標楷體" panose="03000509000000000000" pitchFamily="65" charset="-120"/>
+                <a:ea typeface="標楷體" panose="03000509000000000000" pitchFamily="65" charset="-120"/>
+              </a:rPr>
+              <a:t>12</a:t>
+            </a:r>
+            <a:r>
+              <a:rPr lang="zh-TW" altLang="en-US" dirty="0">
+                <a:solidFill>
+                  <a:srgbClr val="FF0000"/>
+                </a:solidFill>
+                <a:latin typeface="標楷體" panose="03000509000000000000" pitchFamily="65" charset="-120"/>
+                <a:ea typeface="標楷體" panose="03000509000000000000" pitchFamily="65" charset="-120"/>
+              </a:rPr>
+              <a:t>週 </a:t>
+            </a:r>
+            <a:r>
+              <a:rPr lang="en-US" altLang="zh-TW" dirty="0">
+                <a:solidFill>
+                  <a:srgbClr val="FF0000"/>
+                </a:solidFill>
+                <a:latin typeface="標楷體" panose="03000509000000000000" pitchFamily="65" charset="-120"/>
+                <a:ea typeface="標楷體" panose="03000509000000000000" pitchFamily="65" charset="-120"/>
+              </a:rPr>
+              <a:t>Midterm </a:t>
+            </a:r>
+            <a:r>
+              <a:rPr lang="en-US" altLang="zh-TW" dirty="0" smtClean="0">
+                <a:solidFill>
+                  <a:srgbClr val="FF0000"/>
+                </a:solidFill>
+                <a:latin typeface="標楷體" panose="03000509000000000000" pitchFamily="65" charset="-120"/>
+                <a:ea typeface="標楷體" panose="03000509000000000000" pitchFamily="65" charset="-120"/>
+              </a:rPr>
+              <a:t>exam </a:t>
+            </a:r>
+            <a:r>
+              <a:rPr lang="zh-TW" altLang="en-US" dirty="0" smtClean="0">
+                <a:solidFill>
+                  <a:srgbClr val="FF0000"/>
+                </a:solidFill>
+                <a:latin typeface="標楷體" panose="03000509000000000000" pitchFamily="65" charset="-120"/>
+                <a:ea typeface="標楷體" panose="03000509000000000000" pitchFamily="65" charset="-120"/>
+              </a:rPr>
+              <a:t>報告</a:t>
+            </a:r>
+            <a:r>
+              <a:rPr lang="zh-TW" altLang="en-US" dirty="0" smtClean="0">
+                <a:solidFill>
+                  <a:srgbClr val="FF0000"/>
+                </a:solidFill>
+                <a:latin typeface="標楷體" panose="03000509000000000000" pitchFamily="65" charset="-120"/>
+                <a:ea typeface="標楷體" panose="03000509000000000000" pitchFamily="65" charset="-120"/>
+              </a:rPr>
+              <a:t>（細則</a:t>
+            </a:r>
+            <a:r>
+              <a:rPr lang="en-US" altLang="zh-TW" dirty="0" smtClean="0">
+                <a:solidFill>
+                  <a:srgbClr val="FF0000"/>
+                </a:solidFill>
+                <a:latin typeface="標楷體" panose="03000509000000000000" pitchFamily="65" charset="-120"/>
+                <a:ea typeface="標楷體" panose="03000509000000000000" pitchFamily="65" charset="-120"/>
+              </a:rPr>
+              <a:t>)</a:t>
+            </a:r>
+            <a:r>
+              <a:rPr lang="zh-TW" altLang="en-US" dirty="0" smtClean="0">
+                <a:solidFill>
+                  <a:srgbClr val="FF0000"/>
+                </a:solidFill>
+                <a:latin typeface="標楷體" panose="03000509000000000000" pitchFamily="65" charset="-120"/>
+                <a:ea typeface="標楷體" panose="03000509000000000000" pitchFamily="65" charset="-120"/>
+              </a:rPr>
+              <a:t>　</a:t>
+            </a:r>
+            <a:r>
+              <a:rPr lang="en-US" altLang="zh-TW" dirty="0" smtClean="0">
+                <a:solidFill>
+                  <a:srgbClr val="FF0000"/>
+                </a:solidFill>
+                <a:latin typeface="標楷體" panose="03000509000000000000" pitchFamily="65" charset="-120"/>
+                <a:ea typeface="標楷體" panose="03000509000000000000" pitchFamily="65" charset="-120"/>
+              </a:rPr>
+              <a:t>1/2</a:t>
+            </a:r>
+            <a:r>
+              <a:rPr lang="zh-TW" altLang="en-US" dirty="0" smtClean="0">
+                <a:solidFill>
+                  <a:srgbClr val="FF0000"/>
+                </a:solidFill>
+                <a:latin typeface="標楷體" panose="03000509000000000000" pitchFamily="65" charset="-120"/>
+                <a:ea typeface="標楷體" panose="03000509000000000000" pitchFamily="65" charset="-120"/>
+              </a:rPr>
+              <a:t>　　</a:t>
+            </a:r>
+            <a:endParaRPr lang="zh-TW" altLang="en-US" dirty="0"/>
+          </a:p>
+        </p:txBody>
+      </p:sp>
+      <p:sp>
+        <p:nvSpPr>
+          <p:cNvPr id="3" name="內容版面配置區 2"/>
+          <p:cNvSpPr>
+            <a:spLocks noGrp="1"/>
+          </p:cNvSpPr>
+          <p:nvPr>
+            <p:ph idx="1"/>
+          </p:nvPr>
+        </p:nvSpPr>
+        <p:spPr>
+          <a:xfrm>
+            <a:off x="838200" y="1696314"/>
+            <a:ext cx="10515600" cy="4843031"/>
+          </a:xfrm>
+        </p:spPr>
+        <p:txBody>
+          <a:bodyPr>
+            <a:normAutofit/>
+          </a:bodyPr>
+          <a:lstStyle/>
+          <a:p>
+            <a:r>
+              <a:rPr lang="zh-TW" altLang="en-US" b="1" dirty="0" smtClean="0">
+                <a:solidFill>
+                  <a:srgbClr val="FF0000"/>
+                </a:solidFill>
+                <a:latin typeface="標楷體" panose="03000509000000000000" pitchFamily="65" charset="-120"/>
+                <a:ea typeface="標楷體" panose="03000509000000000000" pitchFamily="65" charset="-120"/>
+              </a:rPr>
+              <a:t>評分</a:t>
+            </a:r>
+            <a:r>
+              <a:rPr lang="zh-TW" altLang="en-US" b="1" dirty="0" smtClean="0">
+                <a:solidFill>
+                  <a:srgbClr val="FF0000"/>
+                </a:solidFill>
+                <a:latin typeface="標楷體" panose="03000509000000000000" pitchFamily="65" charset="-120"/>
+                <a:ea typeface="標楷體" panose="03000509000000000000" pitchFamily="65" charset="-120"/>
+              </a:rPr>
+              <a:t>標準</a:t>
+            </a:r>
+            <a:r>
+              <a:rPr lang="en-US" altLang="zh-TW" b="1" dirty="0" smtClean="0">
+                <a:solidFill>
+                  <a:srgbClr val="FF0000"/>
+                </a:solidFill>
+                <a:latin typeface="標楷體" panose="03000509000000000000" pitchFamily="65" charset="-120"/>
+                <a:ea typeface="標楷體" panose="03000509000000000000" pitchFamily="65" charset="-120"/>
+              </a:rPr>
+              <a:t>:</a:t>
+            </a:r>
+            <a:endParaRPr lang="en-US" altLang="zh-TW" b="1" dirty="0" smtClean="0">
+              <a:latin typeface="標楷體" panose="03000509000000000000" pitchFamily="65" charset="-120"/>
+              <a:ea typeface="標楷體" panose="03000509000000000000" pitchFamily="65" charset="-120"/>
+            </a:endParaRPr>
+          </a:p>
+          <a:p>
+            <a:r>
+              <a:rPr lang="zh-TW" altLang="en-US" b="1" dirty="0">
+                <a:latin typeface="標楷體" panose="03000509000000000000" pitchFamily="65" charset="-120"/>
+                <a:ea typeface="標楷體" panose="03000509000000000000" pitchFamily="65" charset="-120"/>
+              </a:rPr>
+              <a:t>有一定的複雜度</a:t>
+            </a:r>
+            <a:endParaRPr lang="en-US" altLang="zh-TW" b="1" dirty="0">
+              <a:latin typeface="標楷體" panose="03000509000000000000" pitchFamily="65" charset="-120"/>
+              <a:ea typeface="標楷體" panose="03000509000000000000" pitchFamily="65" charset="-120"/>
+            </a:endParaRPr>
+          </a:p>
+          <a:p>
+            <a:r>
+              <a:rPr lang="zh-TW" altLang="en-US" b="1" dirty="0" smtClean="0">
+                <a:latin typeface="標楷體" panose="03000509000000000000" pitchFamily="65" charset="-120"/>
+                <a:ea typeface="標楷體" panose="03000509000000000000" pitchFamily="65" charset="-120"/>
+              </a:rPr>
+              <a:t>言之有物，口條清晰 </a:t>
+            </a:r>
+            <a:endParaRPr lang="en-US" altLang="zh-TW" b="1" dirty="0" smtClean="0">
+              <a:latin typeface="標楷體" panose="03000509000000000000" pitchFamily="65" charset="-120"/>
+              <a:ea typeface="標楷體" panose="03000509000000000000" pitchFamily="65" charset="-120"/>
+            </a:endParaRPr>
+          </a:p>
+          <a:p>
+            <a:pPr lvl="1"/>
+            <a:r>
+              <a:rPr lang="zh-TW" altLang="en-US" b="1" dirty="0" smtClean="0">
+                <a:latin typeface="標楷體" panose="03000509000000000000" pitchFamily="65" charset="-120"/>
+                <a:ea typeface="標楷體" panose="03000509000000000000" pitchFamily="65" charset="-120"/>
+              </a:rPr>
+              <a:t>以</a:t>
+            </a:r>
+            <a:r>
+              <a:rPr lang="en-US" altLang="zh-TW" b="1" dirty="0" smtClean="0">
+                <a:latin typeface="標楷體" panose="03000509000000000000" pitchFamily="65" charset="-120"/>
+                <a:ea typeface="標楷體" panose="03000509000000000000" pitchFamily="65" charset="-120"/>
+              </a:rPr>
+              <a:t>PPT</a:t>
+            </a:r>
+            <a:r>
+              <a:rPr lang="zh-TW" altLang="en-US" b="1" dirty="0" smtClean="0">
+                <a:latin typeface="標楷體" panose="03000509000000000000" pitchFamily="65" charset="-120"/>
+                <a:ea typeface="標楷體" panose="03000509000000000000" pitchFamily="65" charset="-120"/>
+              </a:rPr>
+              <a:t>協助說明　（</a:t>
+            </a:r>
+            <a:r>
+              <a:rPr lang="zh-TW" altLang="en-US" b="1" dirty="0">
+                <a:latin typeface="標楷體" panose="03000509000000000000" pitchFamily="65" charset="-120"/>
+                <a:ea typeface="標楷體" panose="03000509000000000000" pitchFamily="65" charset="-120"/>
+              </a:rPr>
+              <a:t>此程式在作什麼說</a:t>
+            </a:r>
+            <a:r>
+              <a:rPr lang="zh-TW" altLang="en-US" b="1" dirty="0" smtClean="0">
+                <a:latin typeface="標楷體" panose="03000509000000000000" pitchFamily="65" charset="-120"/>
+                <a:ea typeface="標楷體" panose="03000509000000000000" pitchFamily="65" charset="-120"/>
+              </a:rPr>
+              <a:t>清楚）</a:t>
+            </a:r>
+            <a:endParaRPr lang="en-US" altLang="zh-TW" b="1" dirty="0" smtClean="0">
+              <a:latin typeface="標楷體" panose="03000509000000000000" pitchFamily="65" charset="-120"/>
+              <a:ea typeface="標楷體" panose="03000509000000000000" pitchFamily="65" charset="-120"/>
+            </a:endParaRPr>
+          </a:p>
+          <a:p>
+            <a:pPr lvl="1"/>
+            <a:r>
+              <a:rPr lang="zh-TW" altLang="en-US" b="1" dirty="0" smtClean="0">
+                <a:latin typeface="標楷體" panose="03000509000000000000" pitchFamily="65" charset="-120"/>
+                <a:ea typeface="標楷體" panose="03000509000000000000" pitchFamily="65" charset="-120"/>
+              </a:rPr>
+              <a:t>資料欄位介紹</a:t>
+            </a:r>
+            <a:endParaRPr lang="en-US" altLang="zh-TW" b="1" dirty="0" smtClean="0">
+              <a:latin typeface="標楷體" panose="03000509000000000000" pitchFamily="65" charset="-120"/>
+              <a:ea typeface="標楷體" panose="03000509000000000000" pitchFamily="65" charset="-120"/>
+            </a:endParaRPr>
+          </a:p>
+          <a:p>
+            <a:pPr lvl="1"/>
+            <a:r>
+              <a:rPr lang="zh-TW" altLang="en-US" b="1" dirty="0" smtClean="0">
+                <a:latin typeface="標楷體" panose="03000509000000000000" pitchFamily="65" charset="-120"/>
+                <a:ea typeface="標楷體" panose="03000509000000000000" pitchFamily="65" charset="-120"/>
+              </a:rPr>
+              <a:t>主要以程式執行說明為主 </a:t>
+            </a:r>
+            <a:r>
+              <a:rPr lang="en-US" altLang="zh-TW" b="1" dirty="0" smtClean="0">
+                <a:latin typeface="標楷體" panose="03000509000000000000" pitchFamily="65" charset="-120"/>
+                <a:ea typeface="標楷體" panose="03000509000000000000" pitchFamily="65" charset="-120"/>
+              </a:rPr>
+              <a:t>(</a:t>
+            </a:r>
+            <a:r>
+              <a:rPr lang="zh-TW" altLang="en-US" b="1" dirty="0" smtClean="0">
+                <a:latin typeface="標楷體" panose="03000509000000000000" pitchFamily="65" charset="-120"/>
+                <a:ea typeface="標楷體" panose="03000509000000000000" pitchFamily="65" charset="-120"/>
+              </a:rPr>
+              <a:t>與未來職場不盡相同</a:t>
+            </a:r>
+            <a:r>
+              <a:rPr lang="en-US" altLang="zh-TW" b="1" dirty="0" smtClean="0">
+                <a:latin typeface="標楷體" panose="03000509000000000000" pitchFamily="65" charset="-120"/>
+                <a:ea typeface="標楷體" panose="03000509000000000000" pitchFamily="65" charset="-120"/>
+              </a:rPr>
+              <a:t>)</a:t>
+            </a:r>
+          </a:p>
+          <a:p>
+            <a:r>
+              <a:rPr lang="zh-TW" altLang="en-US" b="1" dirty="0" smtClean="0">
+                <a:latin typeface="標楷體" panose="03000509000000000000" pitchFamily="65" charset="-120"/>
+                <a:ea typeface="標楷體" panose="03000509000000000000" pitchFamily="65" charset="-120"/>
+              </a:rPr>
+              <a:t>講該區塊在作什麼</a:t>
+            </a:r>
+            <a:r>
+              <a:rPr lang="en-US" altLang="zh-TW" b="1" dirty="0" smtClean="0">
+                <a:latin typeface="標楷體" panose="03000509000000000000" pitchFamily="65" charset="-120"/>
+                <a:ea typeface="標楷體" panose="03000509000000000000" pitchFamily="65" charset="-120"/>
+              </a:rPr>
+              <a:t>(</a:t>
+            </a:r>
+            <a:r>
+              <a:rPr lang="zh-TW" altLang="en-US" b="1" dirty="0" smtClean="0">
+                <a:solidFill>
+                  <a:srgbClr val="FF0000"/>
+                </a:solidFill>
+                <a:latin typeface="標楷體" panose="03000509000000000000" pitchFamily="65" charset="-120"/>
+                <a:ea typeface="標楷體" panose="03000509000000000000" pitchFamily="65" charset="-120"/>
+              </a:rPr>
+              <a:t>老師會指定請</a:t>
+            </a:r>
+            <a:r>
+              <a:rPr lang="zh-TW" altLang="en-US" b="1" dirty="0" smtClean="0">
+                <a:solidFill>
+                  <a:srgbClr val="FF0000"/>
+                </a:solidFill>
+                <a:latin typeface="標楷體" panose="03000509000000000000" pitchFamily="65" charset="-120"/>
+                <a:ea typeface="標楷體" panose="03000509000000000000" pitchFamily="65" charset="-120"/>
+              </a:rPr>
+              <a:t>同學</a:t>
+            </a:r>
+            <a:r>
+              <a:rPr lang="zh-TW" altLang="en-US" b="1" dirty="0" smtClean="0">
+                <a:solidFill>
+                  <a:srgbClr val="FF0000"/>
+                </a:solidFill>
+                <a:latin typeface="標楷體" panose="03000509000000000000" pitchFamily="65" charset="-120"/>
+                <a:ea typeface="標楷體" panose="03000509000000000000" pitchFamily="65" charset="-120"/>
+              </a:rPr>
+              <a:t>說明某一段程式碼</a:t>
+            </a:r>
+            <a:r>
+              <a:rPr lang="en-US" altLang="zh-TW" b="1" dirty="0" smtClean="0">
+                <a:latin typeface="標楷體" panose="03000509000000000000" pitchFamily="65" charset="-120"/>
+                <a:ea typeface="標楷體" panose="03000509000000000000" pitchFamily="65" charset="-120"/>
+              </a:rPr>
+              <a:t>)</a:t>
+            </a:r>
+          </a:p>
+          <a:p>
+            <a:r>
+              <a:rPr lang="zh-TW" altLang="en-US" b="1" dirty="0" smtClean="0">
+                <a:latin typeface="標楷體" panose="03000509000000000000" pitchFamily="65" charset="-120"/>
+                <a:ea typeface="標楷體" panose="03000509000000000000" pitchFamily="65" charset="-120"/>
+              </a:rPr>
+              <a:t>圖表 </a:t>
+            </a:r>
+            <a:r>
+              <a:rPr lang="en-US" altLang="zh-TW" b="1" dirty="0" smtClean="0">
+                <a:latin typeface="標楷體" panose="03000509000000000000" pitchFamily="65" charset="-120"/>
+                <a:ea typeface="標楷體" panose="03000509000000000000" pitchFamily="65" charset="-120"/>
+              </a:rPr>
+              <a:t>(</a:t>
+            </a:r>
+            <a:r>
+              <a:rPr lang="zh-TW" altLang="en-US" b="1" dirty="0" smtClean="0">
+                <a:latin typeface="標楷體" panose="03000509000000000000" pitchFamily="65" charset="-120"/>
+                <a:ea typeface="標楷體" panose="03000509000000000000" pitchFamily="65" charset="-120"/>
+              </a:rPr>
+              <a:t>如果太多，簡單的圖表帶過就可以</a:t>
+            </a:r>
+            <a:r>
+              <a:rPr lang="en-US" altLang="zh-TW" b="1" dirty="0" smtClean="0">
+                <a:latin typeface="標楷體" panose="03000509000000000000" pitchFamily="65" charset="-120"/>
+                <a:ea typeface="標楷體" panose="03000509000000000000" pitchFamily="65" charset="-120"/>
+              </a:rPr>
+              <a:t>)</a:t>
+            </a:r>
+          </a:p>
+          <a:p>
+            <a:r>
+              <a:rPr lang="zh-TW" altLang="en-US" b="1" dirty="0" smtClean="0">
+                <a:solidFill>
+                  <a:srgbClr val="FF0000"/>
+                </a:solidFill>
+                <a:latin typeface="標楷體" panose="03000509000000000000" pitchFamily="65" charset="-120"/>
+                <a:ea typeface="標楷體" panose="03000509000000000000" pitchFamily="65" charset="-120"/>
+              </a:rPr>
+              <a:t>至少</a:t>
+            </a:r>
+            <a:r>
+              <a:rPr lang="zh-TW" altLang="en-US" b="1" dirty="0" smtClean="0">
+                <a:solidFill>
+                  <a:srgbClr val="FF0000"/>
+                </a:solidFill>
+                <a:latin typeface="標楷體" panose="03000509000000000000" pitchFamily="65" charset="-120"/>
+                <a:ea typeface="標楷體" panose="03000509000000000000" pitchFamily="65" charset="-120"/>
+              </a:rPr>
+              <a:t>需自行增加一個功能 </a:t>
+            </a:r>
+            <a:endParaRPr lang="en-US" altLang="zh-TW" b="1" dirty="0" smtClean="0">
+              <a:solidFill>
+                <a:srgbClr val="FF0000"/>
+              </a:solidFill>
+              <a:latin typeface="標楷體" panose="03000509000000000000" pitchFamily="65" charset="-120"/>
+              <a:ea typeface="標楷體" panose="03000509000000000000" pitchFamily="65" charset="-120"/>
+            </a:endParaRPr>
+          </a:p>
+          <a:p>
+            <a:pPr lvl="1"/>
+            <a:r>
+              <a:rPr lang="zh-TW" altLang="en-US" b="1" dirty="0" smtClean="0">
+                <a:latin typeface="標楷體" panose="03000509000000000000" pitchFamily="65" charset="-120"/>
+                <a:ea typeface="標楷體" panose="03000509000000000000" pitchFamily="65" charset="-120"/>
+              </a:rPr>
+              <a:t>多多益善</a:t>
+            </a:r>
+            <a:r>
+              <a:rPr lang="en-US" altLang="zh-TW" b="1" dirty="0">
+                <a:latin typeface="標楷體" panose="03000509000000000000" pitchFamily="65" charset="-120"/>
+                <a:ea typeface="標楷體" panose="03000509000000000000" pitchFamily="65" charset="-120"/>
+              </a:rPr>
+              <a:t> </a:t>
+            </a:r>
+            <a:r>
+              <a:rPr lang="en-US" altLang="zh-TW" b="1" dirty="0" smtClean="0">
+                <a:latin typeface="標楷體" panose="03000509000000000000" pitchFamily="65" charset="-120"/>
+                <a:ea typeface="標楷體" panose="03000509000000000000" pitchFamily="65" charset="-120"/>
+              </a:rPr>
+              <a:t>(</a:t>
+            </a:r>
+            <a:r>
+              <a:rPr lang="zh-TW" altLang="en-US" b="1" dirty="0" smtClean="0">
+                <a:latin typeface="標楷體" panose="03000509000000000000" pitchFamily="65" charset="-120"/>
+                <a:ea typeface="標楷體" panose="03000509000000000000" pitchFamily="65" charset="-120"/>
+              </a:rPr>
+              <a:t>甚至都是自行開發更好</a:t>
+            </a:r>
+            <a:r>
+              <a:rPr lang="en-US" altLang="zh-TW" b="1" dirty="0" smtClean="0">
+                <a:latin typeface="標楷體" panose="03000509000000000000" pitchFamily="65" charset="-120"/>
+                <a:ea typeface="標楷體" panose="03000509000000000000" pitchFamily="65" charset="-120"/>
+              </a:rPr>
+              <a:t>)</a:t>
+            </a:r>
+          </a:p>
+        </p:txBody>
+      </p:sp>
+    </p:spTree>
+    <p:extLst>
+      <p:ext uri="{BB962C8B-B14F-4D97-AF65-F5344CB8AC3E}">
+        <p14:creationId xmlns:p14="http://schemas.microsoft.com/office/powerpoint/2010/main" val="3121566707"/>
+      </p:ext>
+    </p:extLst>
+  </p:cSld>
+  <p:clrMapOvr>
+    <a:masterClrMapping/>
+  </p:clrMapOvr>
+</p:sld>
+</file>
+
+<file path=ppt/slides/slide7.xml><?xml version="1.0" encoding="utf-8"?>
+<p:sld xmlns:a="http://schemas.openxmlformats.org/drawingml/2006/main" xmlns:r="http://schemas.openxmlformats.org/officeDocument/2006/relationships" xmlns:p="http://schemas.openxmlformats.org/presentationml/2006/main">
+  <p:cSld>
+    <p:spTree>
+      <p:nvGrpSpPr>
+        <p:cNvPr id="1" name=""/>
+        <p:cNvGrpSpPr/>
+        <p:nvPr/>
+      </p:nvGrpSpPr>
+      <p:grpSpPr>
+        <a:xfrm>
+          <a:off x="0" y="0"/>
+          <a:ext cx="0" cy="0"/>
+          <a:chOff x="0" y="0"/>
+          <a:chExt cx="0" cy="0"/>
+        </a:xfrm>
+      </p:grpSpPr>
+      <p:sp>
+        <p:nvSpPr>
+          <p:cNvPr id="3" name="內容版面配置區 2"/>
+          <p:cNvSpPr>
+            <a:spLocks noGrp="1"/>
+          </p:cNvSpPr>
+          <p:nvPr>
+            <p:ph idx="1"/>
+          </p:nvPr>
+        </p:nvSpPr>
+        <p:spPr/>
+        <p:txBody>
+          <a:bodyPr>
+            <a:normAutofit/>
+          </a:bodyPr>
+          <a:lstStyle/>
+          <a:p>
+            <a:r>
+              <a:rPr lang="zh-TW" altLang="en-US" b="1" dirty="0">
+                <a:solidFill>
+                  <a:srgbClr val="0000FF"/>
+                </a:solidFill>
+                <a:latin typeface="標楷體" panose="03000509000000000000" pitchFamily="65" charset="-120"/>
+                <a:ea typeface="標楷體" panose="03000509000000000000" pitchFamily="65" charset="-120"/>
+              </a:rPr>
+              <a:t>如果不以</a:t>
+            </a:r>
+            <a:r>
+              <a:rPr lang="en-US" altLang="zh-TW" b="1" dirty="0" err="1">
+                <a:solidFill>
+                  <a:srgbClr val="0000FF"/>
+                </a:solidFill>
+                <a:latin typeface="標楷體" panose="03000509000000000000" pitchFamily="65" charset="-120"/>
+                <a:ea typeface="標楷體" panose="03000509000000000000" pitchFamily="65" charset="-120"/>
+              </a:rPr>
+              <a:t>kaggle</a:t>
+            </a:r>
+            <a:r>
+              <a:rPr lang="zh-TW" altLang="en-US" b="1" dirty="0">
+                <a:solidFill>
+                  <a:srgbClr val="0000FF"/>
+                </a:solidFill>
+                <a:latin typeface="標楷體" panose="03000509000000000000" pitchFamily="65" charset="-120"/>
+                <a:ea typeface="標楷體" panose="03000509000000000000" pitchFamily="65" charset="-120"/>
+              </a:rPr>
+              <a:t>為</a:t>
+            </a:r>
+            <a:r>
+              <a:rPr lang="en-US" altLang="zh-TW" b="1" dirty="0">
+                <a:solidFill>
+                  <a:srgbClr val="0000FF"/>
+                </a:solidFill>
+                <a:latin typeface="標楷體" panose="03000509000000000000" pitchFamily="65" charset="-120"/>
+                <a:ea typeface="標楷體" panose="03000509000000000000" pitchFamily="65" charset="-120"/>
+              </a:rPr>
+              <a:t>Base/Reference,</a:t>
+            </a:r>
+            <a:r>
+              <a:rPr lang="zh-TW" altLang="en-US" b="1" dirty="0">
+                <a:solidFill>
+                  <a:srgbClr val="0000FF"/>
+                </a:solidFill>
+                <a:latin typeface="標楷體" panose="03000509000000000000" pitchFamily="65" charset="-120"/>
+                <a:ea typeface="標楷體" panose="03000509000000000000" pitchFamily="65" charset="-120"/>
+              </a:rPr>
+              <a:t>自行開發</a:t>
+            </a:r>
+            <a:r>
+              <a:rPr lang="zh-TW" altLang="en-US" b="1" dirty="0" smtClean="0">
+                <a:solidFill>
+                  <a:srgbClr val="0000FF"/>
+                </a:solidFill>
+                <a:latin typeface="標楷體" panose="03000509000000000000" pitchFamily="65" charset="-120"/>
+                <a:ea typeface="標楷體" panose="03000509000000000000" pitchFamily="65" charset="-120"/>
+              </a:rPr>
+              <a:t>的更好</a:t>
+            </a:r>
+            <a:endParaRPr lang="en-US" altLang="zh-TW" b="1" dirty="0" smtClean="0">
+              <a:solidFill>
+                <a:srgbClr val="0000FF"/>
+              </a:solidFill>
+              <a:latin typeface="標楷體" panose="03000509000000000000" pitchFamily="65" charset="-120"/>
+              <a:ea typeface="標楷體" panose="03000509000000000000" pitchFamily="65" charset="-120"/>
+            </a:endParaRPr>
+          </a:p>
+          <a:p>
+            <a:r>
+              <a:rPr lang="zh-TW" altLang="en-US" b="1" dirty="0" smtClean="0">
+                <a:latin typeface="標楷體" panose="03000509000000000000" pitchFamily="65" charset="-120"/>
+                <a:ea typeface="標楷體" panose="03000509000000000000" pitchFamily="65" charset="-120"/>
+              </a:rPr>
+              <a:t>可以</a:t>
+            </a:r>
+            <a:r>
+              <a:rPr lang="en-US" altLang="zh-TW" b="1" dirty="0" smtClean="0">
+                <a:latin typeface="標楷體" panose="03000509000000000000" pitchFamily="65" charset="-120"/>
+                <a:ea typeface="標楷體" panose="03000509000000000000" pitchFamily="65" charset="-120"/>
+              </a:rPr>
+              <a:t>/</a:t>
+            </a:r>
+            <a:r>
+              <a:rPr lang="zh-TW" altLang="en-US" b="1" dirty="0" smtClean="0">
+                <a:latin typeface="標楷體" panose="03000509000000000000" pitchFamily="65" charset="-120"/>
+                <a:ea typeface="標楷體" panose="03000509000000000000" pitchFamily="65" charset="-120"/>
+              </a:rPr>
+              <a:t>最好事先來跟老師討論</a:t>
+            </a:r>
+            <a:endParaRPr lang="en-US" altLang="zh-TW" b="1" dirty="0" smtClean="0">
+              <a:latin typeface="標楷體" panose="03000509000000000000" pitchFamily="65" charset="-120"/>
+              <a:ea typeface="標楷體" panose="03000509000000000000" pitchFamily="65" charset="-120"/>
+            </a:endParaRPr>
+          </a:p>
+          <a:p>
+            <a:pPr lvl="1"/>
+            <a:r>
+              <a:rPr lang="zh-TW" altLang="en-US" b="1" dirty="0" smtClean="0">
+                <a:latin typeface="標楷體" panose="03000509000000000000" pitchFamily="65" charset="-120"/>
+                <a:ea typeface="標楷體" panose="03000509000000000000" pitchFamily="65" charset="-120"/>
+              </a:rPr>
+              <a:t>與大數據有關</a:t>
+            </a:r>
+            <a:endParaRPr lang="en-US" altLang="zh-TW" b="1" dirty="0" smtClean="0">
+              <a:latin typeface="標楷體" panose="03000509000000000000" pitchFamily="65" charset="-120"/>
+              <a:ea typeface="標楷體" panose="03000509000000000000" pitchFamily="65" charset="-120"/>
+            </a:endParaRPr>
+          </a:p>
+          <a:p>
+            <a:pPr lvl="1"/>
+            <a:r>
+              <a:rPr lang="zh-TW" altLang="en-US" b="1" dirty="0">
+                <a:latin typeface="標楷體" panose="03000509000000000000" pitchFamily="65" charset="-120"/>
+                <a:ea typeface="標楷體" panose="03000509000000000000" pitchFamily="65" charset="-120"/>
+              </a:rPr>
+              <a:t>目標明確</a:t>
+            </a:r>
+            <a:endParaRPr lang="en-US" altLang="zh-TW" b="1" dirty="0">
+              <a:latin typeface="標楷體" panose="03000509000000000000" pitchFamily="65" charset="-120"/>
+              <a:ea typeface="標楷體" panose="03000509000000000000" pitchFamily="65" charset="-120"/>
+            </a:endParaRPr>
+          </a:p>
+          <a:p>
+            <a:pPr lvl="1"/>
+            <a:r>
+              <a:rPr lang="zh-TW" altLang="en-US" b="1" dirty="0" smtClean="0">
+                <a:latin typeface="標楷體" panose="03000509000000000000" pitchFamily="65" charset="-120"/>
+                <a:ea typeface="標楷體" panose="03000509000000000000" pitchFamily="65" charset="-120"/>
+              </a:rPr>
+              <a:t>適當呈現的圖表</a:t>
+            </a:r>
+            <a:endParaRPr lang="en-US" altLang="zh-TW" b="1" dirty="0">
+              <a:latin typeface="標楷體" panose="03000509000000000000" pitchFamily="65" charset="-120"/>
+              <a:ea typeface="標楷體" panose="03000509000000000000" pitchFamily="65" charset="-120"/>
+            </a:endParaRPr>
+          </a:p>
+          <a:p>
+            <a:pPr lvl="1"/>
+            <a:r>
+              <a:rPr lang="zh-TW" altLang="en-US" b="1" dirty="0" smtClean="0">
+                <a:latin typeface="標楷體" panose="03000509000000000000" pitchFamily="65" charset="-120"/>
+                <a:ea typeface="標楷體" panose="03000509000000000000" pitchFamily="65" charset="-120"/>
+              </a:rPr>
+              <a:t>主要</a:t>
+            </a:r>
+            <a:r>
+              <a:rPr lang="zh-TW" altLang="en-US" b="1" dirty="0">
+                <a:latin typeface="標楷體" panose="03000509000000000000" pitchFamily="65" charset="-120"/>
+                <a:ea typeface="標楷體" panose="03000509000000000000" pitchFamily="65" charset="-120"/>
+              </a:rPr>
+              <a:t>是內容／份量要</a:t>
+            </a:r>
+            <a:r>
+              <a:rPr lang="zh-TW" altLang="en-US" b="1" dirty="0" smtClean="0">
+                <a:latin typeface="標楷體" panose="03000509000000000000" pitchFamily="65" charset="-120"/>
+                <a:ea typeface="標楷體" panose="03000509000000000000" pitchFamily="65" charset="-120"/>
+              </a:rPr>
+              <a:t>夠</a:t>
+            </a:r>
+            <a:endParaRPr lang="en-US" altLang="zh-TW" b="1" dirty="0" smtClean="0">
+              <a:latin typeface="標楷體" panose="03000509000000000000" pitchFamily="65" charset="-120"/>
+              <a:ea typeface="標楷體" panose="03000509000000000000" pitchFamily="65" charset="-120"/>
+            </a:endParaRPr>
+          </a:p>
+          <a:p>
+            <a:endParaRPr lang="en-US" altLang="zh-TW" b="1" dirty="0">
+              <a:solidFill>
+                <a:srgbClr val="0000FF"/>
+              </a:solidFill>
+              <a:latin typeface="標楷體" panose="03000509000000000000" pitchFamily="65" charset="-120"/>
+              <a:ea typeface="標楷體" panose="03000509000000000000" pitchFamily="65" charset="-120"/>
+            </a:endParaRPr>
+          </a:p>
+          <a:p>
+            <a:endParaRPr lang="en-US" altLang="zh-TW" b="1" dirty="0" smtClean="0">
+              <a:solidFill>
+                <a:srgbClr val="0000FF"/>
+              </a:solidFill>
+              <a:latin typeface="標楷體" panose="03000509000000000000" pitchFamily="65" charset="-120"/>
+              <a:ea typeface="標楷體" panose="03000509000000000000" pitchFamily="65" charset="-120"/>
+            </a:endParaRPr>
+          </a:p>
+          <a:p>
+            <a:r>
+              <a:rPr lang="zh-TW" altLang="en-US" b="1" dirty="0" smtClean="0">
+                <a:solidFill>
+                  <a:srgbClr val="0000FF"/>
+                </a:solidFill>
+                <a:latin typeface="標楷體" panose="03000509000000000000" pitchFamily="65" charset="-120"/>
+                <a:ea typeface="標楷體" panose="03000509000000000000" pitchFamily="65" charset="-120"/>
+              </a:rPr>
+              <a:t>使用 </a:t>
+            </a:r>
+            <a:r>
+              <a:rPr lang="en-US" altLang="zh-TW" b="1" dirty="0" err="1" smtClean="0">
+                <a:solidFill>
+                  <a:srgbClr val="0000FF"/>
+                </a:solidFill>
+                <a:latin typeface="標楷體" panose="03000509000000000000" pitchFamily="65" charset="-120"/>
+                <a:ea typeface="標楷體" panose="03000509000000000000" pitchFamily="65" charset="-120"/>
+              </a:rPr>
+              <a:t>Colab</a:t>
+            </a:r>
+            <a:r>
+              <a:rPr lang="zh-TW" altLang="en-US" b="1" dirty="0" smtClean="0">
+                <a:solidFill>
+                  <a:srgbClr val="0000FF"/>
+                </a:solidFill>
+                <a:latin typeface="標楷體" panose="03000509000000000000" pitchFamily="65" charset="-120"/>
+                <a:ea typeface="標楷體" panose="03000509000000000000" pitchFamily="65" charset="-120"/>
+              </a:rPr>
+              <a:t>或</a:t>
+            </a:r>
+            <a:r>
+              <a:rPr lang="en-US" altLang="zh-TW" b="1" dirty="0" err="1" smtClean="0">
+                <a:solidFill>
+                  <a:srgbClr val="0000FF"/>
+                </a:solidFill>
+                <a:latin typeface="標楷體" panose="03000509000000000000" pitchFamily="65" charset="-120"/>
+                <a:ea typeface="標楷體" panose="03000509000000000000" pitchFamily="65" charset="-120"/>
+              </a:rPr>
+              <a:t>VSCode</a:t>
+            </a:r>
+            <a:r>
+              <a:rPr lang="zh-TW" altLang="en-US" b="1" dirty="0" smtClean="0">
+                <a:solidFill>
+                  <a:srgbClr val="0000FF"/>
+                </a:solidFill>
+                <a:latin typeface="標楷體" panose="03000509000000000000" pitchFamily="65" charset="-120"/>
+                <a:ea typeface="標楷體" panose="03000509000000000000" pitchFamily="65" charset="-120"/>
+              </a:rPr>
+              <a:t>都</a:t>
+            </a:r>
+            <a:r>
+              <a:rPr lang="zh-TW" altLang="en-US" b="1" dirty="0" smtClean="0">
+                <a:solidFill>
+                  <a:srgbClr val="0000FF"/>
+                </a:solidFill>
+                <a:latin typeface="標楷體" panose="03000509000000000000" pitchFamily="65" charset="-120"/>
+                <a:ea typeface="標楷體" panose="03000509000000000000" pitchFamily="65" charset="-120"/>
+              </a:rPr>
+              <a:t>可以</a:t>
+            </a:r>
+            <a:endParaRPr lang="en-US" altLang="zh-TW" b="1" dirty="0" smtClean="0">
+              <a:solidFill>
+                <a:srgbClr val="0000FF"/>
+              </a:solidFill>
+              <a:latin typeface="標楷體" panose="03000509000000000000" pitchFamily="65" charset="-120"/>
+              <a:ea typeface="標楷體" panose="03000509000000000000" pitchFamily="65" charset="-120"/>
+            </a:endParaRPr>
+          </a:p>
+        </p:txBody>
+      </p:sp>
+      <p:sp>
+        <p:nvSpPr>
+          <p:cNvPr id="4" name="標題 1"/>
+          <p:cNvSpPr>
+            <a:spLocks noGrp="1"/>
+          </p:cNvSpPr>
+          <p:nvPr>
+            <p:ph type="title"/>
+          </p:nvPr>
+        </p:nvSpPr>
+        <p:spPr>
+          <a:xfrm>
+            <a:off x="673100" y="97270"/>
+            <a:ext cx="10845800" cy="1325563"/>
+          </a:xfrm>
+        </p:spPr>
+        <p:txBody>
+          <a:bodyPr/>
+          <a:lstStyle/>
+          <a:p>
+            <a:pPr algn="r"/>
+            <a:r>
+              <a:rPr lang="zh-TW" altLang="en-US" dirty="0">
+                <a:solidFill>
+                  <a:srgbClr val="FF0000"/>
+                </a:solidFill>
+                <a:latin typeface="標楷體" panose="03000509000000000000" pitchFamily="65" charset="-120"/>
+                <a:ea typeface="標楷體" panose="03000509000000000000" pitchFamily="65" charset="-120"/>
+              </a:rPr>
+              <a:t>第</a:t>
+            </a:r>
+            <a:r>
+              <a:rPr lang="en-US" altLang="zh-TW" dirty="0">
+                <a:solidFill>
+                  <a:srgbClr val="FF0000"/>
+                </a:solidFill>
+                <a:latin typeface="標楷體" panose="03000509000000000000" pitchFamily="65" charset="-120"/>
+                <a:ea typeface="標楷體" panose="03000509000000000000" pitchFamily="65" charset="-120"/>
+              </a:rPr>
+              <a:t>12</a:t>
+            </a:r>
+            <a:r>
+              <a:rPr lang="zh-TW" altLang="en-US" dirty="0">
+                <a:solidFill>
+                  <a:srgbClr val="FF0000"/>
+                </a:solidFill>
+                <a:latin typeface="標楷體" panose="03000509000000000000" pitchFamily="65" charset="-120"/>
+                <a:ea typeface="標楷體" panose="03000509000000000000" pitchFamily="65" charset="-120"/>
+              </a:rPr>
+              <a:t>週 </a:t>
+            </a:r>
+            <a:r>
+              <a:rPr lang="en-US" altLang="zh-TW" dirty="0">
+                <a:solidFill>
+                  <a:srgbClr val="FF0000"/>
+                </a:solidFill>
+                <a:latin typeface="標楷體" panose="03000509000000000000" pitchFamily="65" charset="-120"/>
+                <a:ea typeface="標楷體" panose="03000509000000000000" pitchFamily="65" charset="-120"/>
+              </a:rPr>
+              <a:t>Midterm </a:t>
+            </a:r>
+            <a:r>
+              <a:rPr lang="en-US" altLang="zh-TW" dirty="0" smtClean="0">
+                <a:solidFill>
+                  <a:srgbClr val="FF0000"/>
+                </a:solidFill>
+                <a:latin typeface="標楷體" panose="03000509000000000000" pitchFamily="65" charset="-120"/>
+                <a:ea typeface="標楷體" panose="03000509000000000000" pitchFamily="65" charset="-120"/>
+              </a:rPr>
+              <a:t>exam </a:t>
+            </a:r>
+            <a:r>
+              <a:rPr lang="zh-TW" altLang="en-US" dirty="0" smtClean="0">
+                <a:solidFill>
+                  <a:srgbClr val="FF0000"/>
+                </a:solidFill>
+                <a:latin typeface="標楷體" panose="03000509000000000000" pitchFamily="65" charset="-120"/>
+                <a:ea typeface="標楷體" panose="03000509000000000000" pitchFamily="65" charset="-120"/>
+              </a:rPr>
+              <a:t>報告</a:t>
+            </a:r>
+            <a:r>
+              <a:rPr lang="zh-TW" altLang="en-US" dirty="0" smtClean="0">
+                <a:solidFill>
+                  <a:srgbClr val="FF0000"/>
+                </a:solidFill>
+                <a:latin typeface="標楷體" panose="03000509000000000000" pitchFamily="65" charset="-120"/>
+                <a:ea typeface="標楷體" panose="03000509000000000000" pitchFamily="65" charset="-120"/>
+              </a:rPr>
+              <a:t>（細則</a:t>
+            </a:r>
+            <a:r>
+              <a:rPr lang="en-US" altLang="zh-TW" dirty="0" smtClean="0">
+                <a:solidFill>
+                  <a:srgbClr val="FF0000"/>
+                </a:solidFill>
+                <a:latin typeface="標楷體" panose="03000509000000000000" pitchFamily="65" charset="-120"/>
+                <a:ea typeface="標楷體" panose="03000509000000000000" pitchFamily="65" charset="-120"/>
+              </a:rPr>
+              <a:t>)</a:t>
+            </a:r>
+            <a:r>
+              <a:rPr lang="zh-TW" altLang="en-US" dirty="0" smtClean="0">
+                <a:solidFill>
+                  <a:srgbClr val="FF0000"/>
+                </a:solidFill>
+                <a:latin typeface="標楷體" panose="03000509000000000000" pitchFamily="65" charset="-120"/>
+                <a:ea typeface="標楷體" panose="03000509000000000000" pitchFamily="65" charset="-120"/>
+              </a:rPr>
+              <a:t>　</a:t>
+            </a:r>
+            <a:r>
+              <a:rPr lang="en-US" altLang="zh-TW" dirty="0" smtClean="0">
+                <a:solidFill>
+                  <a:srgbClr val="FF0000"/>
+                </a:solidFill>
+                <a:latin typeface="標楷體" panose="03000509000000000000" pitchFamily="65" charset="-120"/>
+                <a:ea typeface="標楷體" panose="03000509000000000000" pitchFamily="65" charset="-120"/>
+              </a:rPr>
+              <a:t>2/2</a:t>
+            </a:r>
+            <a:r>
+              <a:rPr lang="zh-TW" altLang="en-US" dirty="0" smtClean="0">
+                <a:solidFill>
+                  <a:srgbClr val="FF0000"/>
+                </a:solidFill>
+                <a:latin typeface="標楷體" panose="03000509000000000000" pitchFamily="65" charset="-120"/>
+                <a:ea typeface="標楷體" panose="03000509000000000000" pitchFamily="65" charset="-120"/>
+              </a:rPr>
+              <a:t>　　</a:t>
+            </a:r>
+            <a:endParaRPr lang="zh-TW" altLang="en-US" dirty="0"/>
+          </a:p>
+        </p:txBody>
+      </p:sp>
+    </p:spTree>
+    <p:extLst>
+      <p:ext uri="{BB962C8B-B14F-4D97-AF65-F5344CB8AC3E}">
+        <p14:creationId xmlns:p14="http://schemas.microsoft.com/office/powerpoint/2010/main" val="2884945667"/>
+      </p:ext>
+    </p:extLst>
+  </p:cSld>
+  <p:clrMapOvr>
+    <a:masterClrMapping/>
+  </p:clrMapOvr>
+</p:sld>
+</file>
+
+<file path=ppt/slides/slide8.xml><?xml version="1.0" encoding="utf-8"?>
+<p:sld xmlns:a="http://schemas.openxmlformats.org/drawingml/2006/main" xmlns:r="http://schemas.openxmlformats.org/officeDocument/2006/relationships" xmlns:p="http://schemas.openxmlformats.org/presentationml/2006/main">
+  <p:cSld>
+    <p:spTree>
+      <p:nvGrpSpPr>
+        <p:cNvPr id="1" name=""/>
+        <p:cNvGrpSpPr/>
+        <p:nvPr/>
+      </p:nvGrpSpPr>
+      <p:grpSpPr>
+        <a:xfrm>
+          <a:off x="0" y="0"/>
+          <a:ext cx="0" cy="0"/>
+          <a:chOff x="0" y="0"/>
+          <a:chExt cx="0" cy="0"/>
+        </a:xfrm>
+      </p:grpSpPr>
+      <p:sp>
+        <p:nvSpPr>
+          <p:cNvPr id="2" name="標題 1"/>
+          <p:cNvSpPr>
+            <a:spLocks noGrp="1"/>
+          </p:cNvSpPr>
+          <p:nvPr>
+            <p:ph type="title"/>
+          </p:nvPr>
+        </p:nvSpPr>
+        <p:spPr>
+          <a:xfrm>
             <a:off x="838200" y="183970"/>
             <a:ext cx="10515600" cy="1325563"/>
           </a:xfrm>
@@ -5827,7 +6944,27 @@
                 <a:latin typeface="標楷體" panose="03000509000000000000" pitchFamily="65" charset="-120"/>
                 <a:ea typeface="標楷體" panose="03000509000000000000" pitchFamily="65" charset="-120"/>
               </a:rPr>
-              <a:t>期末報告</a:t>
+              <a:t>期末</a:t>
+            </a:r>
+            <a:r>
+              <a:rPr lang="en-US" altLang="zh-TW" dirty="0" smtClean="0">
+                <a:solidFill>
+                  <a:srgbClr val="FF0000"/>
+                </a:solidFill>
+                <a:latin typeface="標楷體" panose="03000509000000000000" pitchFamily="65" charset="-120"/>
+                <a:ea typeface="標楷體" panose="03000509000000000000" pitchFamily="65" charset="-120"/>
+              </a:rPr>
+              <a:t>-</a:t>
+            </a:r>
+            <a:r>
+              <a:rPr lang="zh-TW" altLang="en-US" dirty="0" smtClean="0">
+                <a:solidFill>
+                  <a:srgbClr val="FF0000"/>
+                </a:solidFill>
+                <a:latin typeface="標楷體" panose="03000509000000000000" pitchFamily="65" charset="-120"/>
+                <a:ea typeface="標楷體" panose="03000509000000000000" pitchFamily="65" charset="-120"/>
+              </a:rPr>
+              <a:t>報告期刊</a:t>
             </a:r>
             <a:endParaRPr lang="zh-TW" altLang="en-US" dirty="0">
               <a:solidFill>
@@ -5998,7 +7135,7 @@
 </p:sld>
 </file>
 
-<file path=ppt/slides/slide7.xml><?xml version="1.0" encoding="utf-8"?>
+<file path=ppt/slides/slide9.xml><?xml version="1.0" encoding="utf-8"?>
 <p:sld xmlns:a="http://schemas.openxmlformats.org/drawingml/2006/main" xmlns:r="http://schemas.openxmlformats.org/officeDocument/2006/relationships" xmlns:p="http://schemas.openxmlformats.org/presentationml/2006/main">
   <p:cSld>
     <p:spTree>
@@ -6157,968 +7294,6 @@
       </p:par>
     </p:tnLst>
   </p:timing>
-</p:sld>
-</file>
-
-<file path=ppt/slides/slide8.xml><?xml version="1.0" encoding="utf-8"?>
-<p:sld xmlns:a="http://schemas.openxmlformats.org/drawingml/2006/main" xmlns:r="http://schemas.openxmlformats.org/officeDocument/2006/relationships" xmlns:p="http://schemas.openxmlformats.org/presentationml/2006/main">
-  <p:cSld>
-    <p:spTree>
-      <p:nvGrpSpPr>
-        <p:cNvPr id="1" name=""/>
-        <p:cNvGrpSpPr/>
-        <p:nvPr/>
-      </p:nvGrpSpPr>
-      <p:grpSpPr>
-        <a:xfrm>
-          <a:off x="0" y="0"/>
-          <a:ext cx="0" cy="0"/>
-          <a:chOff x="0" y="0"/>
-          <a:chExt cx="0" cy="0"/>
-        </a:xfrm>
-      </p:grpSpPr>
-      <p:sp>
-        <p:nvSpPr>
-          <p:cNvPr id="2" name="標題 1"/>
-          <p:cNvSpPr>
-            <a:spLocks noGrp="1"/>
-          </p:cNvSpPr>
-          <p:nvPr>
-            <p:ph type="title"/>
-          </p:nvPr>
-        </p:nvSpPr>
-        <p:spPr>
-          <a:xfrm>
-            <a:off x="673100" y="97270"/>
-            <a:ext cx="10845800" cy="1325563"/>
-          </a:xfrm>
-        </p:spPr>
-        <p:txBody>
-          <a:bodyPr/>
-          <a:lstStyle/>
-          <a:p>
-            <a:pPr algn="r"/>
-            <a:r>
-              <a:rPr lang="zh-TW" altLang="en-US" dirty="0">
-                <a:solidFill>
-                  <a:srgbClr val="FF0000"/>
-                </a:solidFill>
-                <a:latin typeface="標楷體" panose="03000509000000000000" pitchFamily="65" charset="-120"/>
-                <a:ea typeface="標楷體" panose="03000509000000000000" pitchFamily="65" charset="-120"/>
-              </a:rPr>
-              <a:t>第</a:t>
-            </a:r>
-            <a:r>
-              <a:rPr lang="en-US" altLang="zh-TW" dirty="0">
-                <a:solidFill>
-                  <a:srgbClr val="FF0000"/>
-                </a:solidFill>
-                <a:latin typeface="標楷體" panose="03000509000000000000" pitchFamily="65" charset="-120"/>
-                <a:ea typeface="標楷體" panose="03000509000000000000" pitchFamily="65" charset="-120"/>
-              </a:rPr>
-              <a:t>12</a:t>
-            </a:r>
-            <a:r>
-              <a:rPr lang="zh-TW" altLang="en-US" dirty="0">
-                <a:solidFill>
-                  <a:srgbClr val="FF0000"/>
-                </a:solidFill>
-                <a:latin typeface="標楷體" panose="03000509000000000000" pitchFamily="65" charset="-120"/>
-                <a:ea typeface="標楷體" panose="03000509000000000000" pitchFamily="65" charset="-120"/>
-              </a:rPr>
-              <a:t>週 </a:t>
-            </a:r>
-            <a:r>
-              <a:rPr lang="en-US" altLang="zh-TW" dirty="0">
-                <a:solidFill>
-                  <a:srgbClr val="FF0000"/>
-                </a:solidFill>
-                <a:latin typeface="標楷體" panose="03000509000000000000" pitchFamily="65" charset="-120"/>
-                <a:ea typeface="標楷體" panose="03000509000000000000" pitchFamily="65" charset="-120"/>
-              </a:rPr>
-              <a:t>Final Project </a:t>
-            </a:r>
-            <a:r>
-              <a:rPr lang="zh-TW" altLang="en-US" dirty="0" smtClean="0">
-                <a:solidFill>
-                  <a:srgbClr val="FF0000"/>
-                </a:solidFill>
-                <a:latin typeface="標楷體" panose="03000509000000000000" pitchFamily="65" charset="-120"/>
-                <a:ea typeface="標楷體" panose="03000509000000000000" pitchFamily="65" charset="-120"/>
-              </a:rPr>
-              <a:t>報告（細則</a:t>
-            </a:r>
-            <a:r>
-              <a:rPr lang="en-US" altLang="zh-TW" dirty="0" smtClean="0">
-                <a:solidFill>
-                  <a:srgbClr val="FF0000"/>
-                </a:solidFill>
-                <a:latin typeface="標楷體" panose="03000509000000000000" pitchFamily="65" charset="-120"/>
-                <a:ea typeface="標楷體" panose="03000509000000000000" pitchFamily="65" charset="-120"/>
-              </a:rPr>
-              <a:t>)</a:t>
-            </a:r>
-            <a:r>
-              <a:rPr lang="zh-TW" altLang="en-US" dirty="0" smtClean="0">
-                <a:solidFill>
-                  <a:srgbClr val="FF0000"/>
-                </a:solidFill>
-                <a:latin typeface="標楷體" panose="03000509000000000000" pitchFamily="65" charset="-120"/>
-                <a:ea typeface="標楷體" panose="03000509000000000000" pitchFamily="65" charset="-120"/>
-              </a:rPr>
-              <a:t>　</a:t>
-            </a:r>
-            <a:r>
-              <a:rPr lang="en-US" altLang="zh-TW" dirty="0" smtClean="0">
-                <a:solidFill>
-                  <a:srgbClr val="FF0000"/>
-                </a:solidFill>
-                <a:latin typeface="標楷體" panose="03000509000000000000" pitchFamily="65" charset="-120"/>
-                <a:ea typeface="標楷體" panose="03000509000000000000" pitchFamily="65" charset="-120"/>
-              </a:rPr>
-              <a:t>1/2</a:t>
-            </a:r>
-            <a:r>
-              <a:rPr lang="zh-TW" altLang="en-US" dirty="0" smtClean="0">
-                <a:solidFill>
-                  <a:srgbClr val="FF0000"/>
-                </a:solidFill>
-                <a:latin typeface="標楷體" panose="03000509000000000000" pitchFamily="65" charset="-120"/>
-                <a:ea typeface="標楷體" panose="03000509000000000000" pitchFamily="65" charset="-120"/>
-              </a:rPr>
-              <a:t>　　</a:t>
-            </a:r>
-            <a:endParaRPr lang="zh-TW" altLang="en-US" dirty="0"/>
-          </a:p>
-        </p:txBody>
-      </p:sp>
-      <p:sp>
-        <p:nvSpPr>
-          <p:cNvPr id="3" name="內容版面配置區 2"/>
-          <p:cNvSpPr>
-            <a:spLocks noGrp="1"/>
-          </p:cNvSpPr>
-          <p:nvPr>
-            <p:ph idx="1"/>
-          </p:nvPr>
-        </p:nvSpPr>
-        <p:spPr>
-          <a:xfrm>
-            <a:off x="838200" y="1696314"/>
-            <a:ext cx="10515600" cy="4843031"/>
-          </a:xfrm>
-        </p:spPr>
-        <p:txBody>
-          <a:bodyPr>
-            <a:normAutofit/>
-          </a:bodyPr>
-          <a:lstStyle/>
-          <a:p>
-            <a:r>
-              <a:rPr lang="zh-TW" altLang="en-US" b="1" dirty="0" smtClean="0">
-                <a:solidFill>
-                  <a:srgbClr val="0000FF"/>
-                </a:solidFill>
-                <a:latin typeface="標楷體" panose="03000509000000000000" pitchFamily="65" charset="-120"/>
-                <a:ea typeface="標楷體" panose="03000509000000000000" pitchFamily="65" charset="-120"/>
-              </a:rPr>
-              <a:t>建議以「垃圾郵件</a:t>
-            </a:r>
-            <a:r>
-              <a:rPr lang="en-US" altLang="zh-TW" b="1" dirty="0">
-                <a:solidFill>
-                  <a:srgbClr val="0000FF"/>
-                </a:solidFill>
-                <a:latin typeface="標楷體" panose="03000509000000000000" pitchFamily="65" charset="-120"/>
-                <a:ea typeface="標楷體" panose="03000509000000000000" pitchFamily="65" charset="-120"/>
-              </a:rPr>
-              <a:t>,</a:t>
-            </a:r>
-            <a:r>
-              <a:rPr lang="en-US" altLang="zh-TW" b="1" dirty="0" smtClean="0">
-                <a:solidFill>
-                  <a:srgbClr val="0000FF"/>
-                </a:solidFill>
-                <a:latin typeface="標楷體" panose="03000509000000000000" pitchFamily="65" charset="-120"/>
-                <a:ea typeface="標楷體" panose="03000509000000000000" pitchFamily="65" charset="-120"/>
-              </a:rPr>
-              <a:t>spam mail</a:t>
-            </a:r>
-            <a:r>
-              <a:rPr lang="zh-TW" altLang="en-US" b="1" dirty="0" smtClean="0">
-                <a:solidFill>
-                  <a:srgbClr val="0000FF"/>
-                </a:solidFill>
-                <a:latin typeface="標楷體" panose="03000509000000000000" pitchFamily="65" charset="-120"/>
-                <a:ea typeface="標楷體" panose="03000509000000000000" pitchFamily="65" charset="-120"/>
-              </a:rPr>
-              <a:t>」為</a:t>
-            </a:r>
-            <a:r>
-              <a:rPr lang="en-US" altLang="zh-TW" b="1" dirty="0" smtClean="0">
-                <a:solidFill>
-                  <a:srgbClr val="0000FF"/>
-                </a:solidFill>
-                <a:latin typeface="標楷體" panose="03000509000000000000" pitchFamily="65" charset="-120"/>
-                <a:ea typeface="標楷體" panose="03000509000000000000" pitchFamily="65" charset="-120"/>
-              </a:rPr>
-              <a:t>Key word</a:t>
-            </a:r>
-            <a:r>
-              <a:rPr lang="zh-TW" altLang="en-US" b="1" dirty="0" smtClean="0">
-                <a:solidFill>
-                  <a:srgbClr val="0000FF"/>
-                </a:solidFill>
-                <a:latin typeface="標楷體" panose="03000509000000000000" pitchFamily="65" charset="-120"/>
-                <a:ea typeface="標楷體" panose="03000509000000000000" pitchFamily="65" charset="-120"/>
-              </a:rPr>
-              <a:t>上</a:t>
-            </a:r>
-            <a:r>
-              <a:rPr lang="en-US" altLang="zh-TW" b="1" dirty="0" smtClean="0">
-                <a:solidFill>
-                  <a:srgbClr val="0000FF"/>
-                </a:solidFill>
-                <a:latin typeface="標楷體" panose="03000509000000000000" pitchFamily="65" charset="-120"/>
-                <a:ea typeface="標楷體" panose="03000509000000000000" pitchFamily="65" charset="-120"/>
-              </a:rPr>
-              <a:t> </a:t>
-            </a:r>
-            <a:r>
-              <a:rPr lang="en-US" altLang="zh-TW" b="1" dirty="0" err="1" smtClean="0">
-                <a:solidFill>
-                  <a:srgbClr val="0000FF"/>
-                </a:solidFill>
-                <a:latin typeface="標楷體" panose="03000509000000000000" pitchFamily="65" charset="-120"/>
-                <a:ea typeface="標楷體" panose="03000509000000000000" pitchFamily="65" charset="-120"/>
-              </a:rPr>
-              <a:t>kaggle</a:t>
-            </a:r>
-            <a:r>
-              <a:rPr lang="zh-TW" altLang="en-US" b="1" dirty="0" smtClean="0">
-                <a:solidFill>
-                  <a:srgbClr val="0000FF"/>
-                </a:solidFill>
-                <a:latin typeface="標楷體" panose="03000509000000000000" pitchFamily="65" charset="-120"/>
-                <a:ea typeface="標楷體" panose="03000509000000000000" pitchFamily="65" charset="-120"/>
-              </a:rPr>
-              <a:t>蒐尋</a:t>
-            </a:r>
-            <a:endParaRPr lang="en-US" altLang="zh-TW" b="1" dirty="0" smtClean="0">
-              <a:solidFill>
-                <a:srgbClr val="0000FF"/>
-              </a:solidFill>
-              <a:latin typeface="標楷體" panose="03000509000000000000" pitchFamily="65" charset="-120"/>
-              <a:ea typeface="標楷體" panose="03000509000000000000" pitchFamily="65" charset="-120"/>
-            </a:endParaRPr>
-          </a:p>
-          <a:p>
-            <a:pPr lvl="1"/>
-            <a:r>
-              <a:rPr lang="zh-TW" altLang="en-US" b="1" dirty="0" smtClean="0">
-                <a:solidFill>
-                  <a:srgbClr val="FF0000"/>
-                </a:solidFill>
-                <a:latin typeface="標楷體" panose="03000509000000000000" pitchFamily="65" charset="-120"/>
-                <a:ea typeface="標楷體" panose="03000509000000000000" pitchFamily="65" charset="-120"/>
-              </a:rPr>
-              <a:t>評分標準</a:t>
-            </a:r>
-            <a:r>
-              <a:rPr lang="en-US" altLang="zh-TW" b="1" dirty="0" smtClean="0">
-                <a:solidFill>
-                  <a:srgbClr val="FF0000"/>
-                </a:solidFill>
-                <a:latin typeface="標楷體" panose="03000509000000000000" pitchFamily="65" charset="-120"/>
-                <a:ea typeface="標楷體" panose="03000509000000000000" pitchFamily="65" charset="-120"/>
-              </a:rPr>
-              <a:t>:</a:t>
-            </a:r>
-            <a:endParaRPr lang="en-US" altLang="zh-TW" b="1" dirty="0" smtClean="0">
-              <a:latin typeface="標楷體" panose="03000509000000000000" pitchFamily="65" charset="-120"/>
-              <a:ea typeface="標楷體" panose="03000509000000000000" pitchFamily="65" charset="-120"/>
-            </a:endParaRPr>
-          </a:p>
-          <a:p>
-            <a:pPr lvl="1"/>
-            <a:r>
-              <a:rPr lang="zh-TW" altLang="en-US" b="1" dirty="0">
-                <a:latin typeface="標楷體" panose="03000509000000000000" pitchFamily="65" charset="-120"/>
-                <a:ea typeface="標楷體" panose="03000509000000000000" pitchFamily="65" charset="-120"/>
-              </a:rPr>
-              <a:t>有一定的複雜度</a:t>
-            </a:r>
-            <a:endParaRPr lang="en-US" altLang="zh-TW" b="1" dirty="0">
-              <a:latin typeface="標楷體" panose="03000509000000000000" pitchFamily="65" charset="-120"/>
-              <a:ea typeface="標楷體" panose="03000509000000000000" pitchFamily="65" charset="-120"/>
-            </a:endParaRPr>
-          </a:p>
-          <a:p>
-            <a:pPr lvl="1"/>
-            <a:r>
-              <a:rPr lang="zh-TW" altLang="en-US" b="1" dirty="0" smtClean="0">
-                <a:latin typeface="標楷體" panose="03000509000000000000" pitchFamily="65" charset="-120"/>
-                <a:ea typeface="標楷體" panose="03000509000000000000" pitchFamily="65" charset="-120"/>
-              </a:rPr>
-              <a:t>言之有物，口條清晰 </a:t>
-            </a:r>
-            <a:endParaRPr lang="en-US" altLang="zh-TW" b="1" dirty="0" smtClean="0">
-              <a:latin typeface="標楷體" panose="03000509000000000000" pitchFamily="65" charset="-120"/>
-              <a:ea typeface="標楷體" panose="03000509000000000000" pitchFamily="65" charset="-120"/>
-            </a:endParaRPr>
-          </a:p>
-          <a:p>
-            <a:pPr lvl="2"/>
-            <a:r>
-              <a:rPr lang="zh-TW" altLang="en-US" b="1" dirty="0" smtClean="0">
-                <a:latin typeface="標楷體" panose="03000509000000000000" pitchFamily="65" charset="-120"/>
-                <a:ea typeface="標楷體" panose="03000509000000000000" pitchFamily="65" charset="-120"/>
-              </a:rPr>
-              <a:t>以</a:t>
-            </a:r>
-            <a:r>
-              <a:rPr lang="en-US" altLang="zh-TW" b="1" dirty="0" smtClean="0">
-                <a:latin typeface="標楷體" panose="03000509000000000000" pitchFamily="65" charset="-120"/>
-                <a:ea typeface="標楷體" panose="03000509000000000000" pitchFamily="65" charset="-120"/>
-              </a:rPr>
-              <a:t>PPT</a:t>
-            </a:r>
-            <a:r>
-              <a:rPr lang="zh-TW" altLang="en-US" b="1" dirty="0" smtClean="0">
-                <a:latin typeface="標楷體" panose="03000509000000000000" pitchFamily="65" charset="-120"/>
-                <a:ea typeface="標楷體" panose="03000509000000000000" pitchFamily="65" charset="-120"/>
-              </a:rPr>
-              <a:t>協助說明　（</a:t>
-            </a:r>
-            <a:r>
-              <a:rPr lang="zh-TW" altLang="en-US" b="1" dirty="0">
-                <a:latin typeface="標楷體" panose="03000509000000000000" pitchFamily="65" charset="-120"/>
-                <a:ea typeface="標楷體" panose="03000509000000000000" pitchFamily="65" charset="-120"/>
-              </a:rPr>
-              <a:t>此程式在作什麼說</a:t>
-            </a:r>
-            <a:r>
-              <a:rPr lang="zh-TW" altLang="en-US" b="1" dirty="0" smtClean="0">
-                <a:latin typeface="標楷體" panose="03000509000000000000" pitchFamily="65" charset="-120"/>
-                <a:ea typeface="標楷體" panose="03000509000000000000" pitchFamily="65" charset="-120"/>
-              </a:rPr>
-              <a:t>清楚）</a:t>
-            </a:r>
-            <a:endParaRPr lang="en-US" altLang="zh-TW" b="1" dirty="0" smtClean="0">
-              <a:latin typeface="標楷體" panose="03000509000000000000" pitchFamily="65" charset="-120"/>
-              <a:ea typeface="標楷體" panose="03000509000000000000" pitchFamily="65" charset="-120"/>
-            </a:endParaRPr>
-          </a:p>
-          <a:p>
-            <a:pPr lvl="2"/>
-            <a:r>
-              <a:rPr lang="zh-TW" altLang="en-US" b="1" dirty="0" smtClean="0">
-                <a:latin typeface="標楷體" panose="03000509000000000000" pitchFamily="65" charset="-120"/>
-                <a:ea typeface="標楷體" panose="03000509000000000000" pitchFamily="65" charset="-120"/>
-              </a:rPr>
-              <a:t>資料欄位介紹</a:t>
-            </a:r>
-            <a:endParaRPr lang="en-US" altLang="zh-TW" b="1" dirty="0" smtClean="0">
-              <a:latin typeface="標楷體" panose="03000509000000000000" pitchFamily="65" charset="-120"/>
-              <a:ea typeface="標楷體" panose="03000509000000000000" pitchFamily="65" charset="-120"/>
-            </a:endParaRPr>
-          </a:p>
-          <a:p>
-            <a:pPr lvl="2"/>
-            <a:r>
-              <a:rPr lang="zh-TW" altLang="en-US" b="1" dirty="0" smtClean="0">
-                <a:latin typeface="標楷體" panose="03000509000000000000" pitchFamily="65" charset="-120"/>
-                <a:ea typeface="標楷體" panose="03000509000000000000" pitchFamily="65" charset="-120"/>
-              </a:rPr>
-              <a:t>主要以程式執行說明為主 </a:t>
-            </a:r>
-            <a:r>
-              <a:rPr lang="en-US" altLang="zh-TW" b="1" dirty="0" smtClean="0">
-                <a:latin typeface="標楷體" panose="03000509000000000000" pitchFamily="65" charset="-120"/>
-                <a:ea typeface="標楷體" panose="03000509000000000000" pitchFamily="65" charset="-120"/>
-              </a:rPr>
-              <a:t>(</a:t>
-            </a:r>
-            <a:r>
-              <a:rPr lang="zh-TW" altLang="en-US" b="1" dirty="0" smtClean="0">
-                <a:latin typeface="標楷體" panose="03000509000000000000" pitchFamily="65" charset="-120"/>
-                <a:ea typeface="標楷體" panose="03000509000000000000" pitchFamily="65" charset="-120"/>
-              </a:rPr>
-              <a:t>與未來職場不盡相同</a:t>
-            </a:r>
-            <a:r>
-              <a:rPr lang="en-US" altLang="zh-TW" b="1" dirty="0" smtClean="0">
-                <a:latin typeface="標楷體" panose="03000509000000000000" pitchFamily="65" charset="-120"/>
-                <a:ea typeface="標楷體" panose="03000509000000000000" pitchFamily="65" charset="-120"/>
-              </a:rPr>
-              <a:t>)</a:t>
-            </a:r>
-          </a:p>
-          <a:p>
-            <a:pPr lvl="1"/>
-            <a:r>
-              <a:rPr lang="zh-TW" altLang="en-US" b="1" dirty="0" smtClean="0">
-                <a:latin typeface="標楷體" panose="03000509000000000000" pitchFamily="65" charset="-120"/>
-                <a:ea typeface="標楷體" panose="03000509000000000000" pitchFamily="65" charset="-120"/>
-              </a:rPr>
-              <a:t>講該區塊在作什麼</a:t>
-            </a:r>
-            <a:r>
-              <a:rPr lang="en-US" altLang="zh-TW" b="1" dirty="0" smtClean="0">
-                <a:latin typeface="標楷體" panose="03000509000000000000" pitchFamily="65" charset="-120"/>
-                <a:ea typeface="標楷體" panose="03000509000000000000" pitchFamily="65" charset="-120"/>
-              </a:rPr>
-              <a:t>(</a:t>
-            </a:r>
-            <a:r>
-              <a:rPr lang="zh-TW" altLang="en-US" b="1" dirty="0" smtClean="0">
-                <a:latin typeface="標楷體" panose="03000509000000000000" pitchFamily="65" charset="-120"/>
-                <a:ea typeface="標楷體" panose="03000509000000000000" pitchFamily="65" charset="-120"/>
-              </a:rPr>
-              <a:t>有需要時老師會請同學說明程式碼</a:t>
-            </a:r>
-            <a:r>
-              <a:rPr lang="en-US" altLang="zh-TW" b="1" dirty="0" smtClean="0">
-                <a:latin typeface="標楷體" panose="03000509000000000000" pitchFamily="65" charset="-120"/>
-                <a:ea typeface="標楷體" panose="03000509000000000000" pitchFamily="65" charset="-120"/>
-              </a:rPr>
-              <a:t>)</a:t>
-            </a:r>
-          </a:p>
-          <a:p>
-            <a:pPr lvl="1"/>
-            <a:r>
-              <a:rPr lang="zh-TW" altLang="en-US" b="1" dirty="0" smtClean="0">
-                <a:latin typeface="標楷體" panose="03000509000000000000" pitchFamily="65" charset="-120"/>
-                <a:ea typeface="標楷體" panose="03000509000000000000" pitchFamily="65" charset="-120"/>
-              </a:rPr>
-              <a:t>圖表 </a:t>
-            </a:r>
-            <a:r>
-              <a:rPr lang="en-US" altLang="zh-TW" b="1" dirty="0" smtClean="0">
-                <a:latin typeface="標楷體" panose="03000509000000000000" pitchFamily="65" charset="-120"/>
-                <a:ea typeface="標楷體" panose="03000509000000000000" pitchFamily="65" charset="-120"/>
-              </a:rPr>
-              <a:t>(</a:t>
-            </a:r>
-            <a:r>
-              <a:rPr lang="zh-TW" altLang="en-US" b="1" dirty="0" smtClean="0">
-                <a:latin typeface="標楷體" panose="03000509000000000000" pitchFamily="65" charset="-120"/>
-                <a:ea typeface="標楷體" panose="03000509000000000000" pitchFamily="65" charset="-120"/>
-              </a:rPr>
-              <a:t>如果太多，簡單的圖表帶過就可以</a:t>
-            </a:r>
-            <a:r>
-              <a:rPr lang="en-US" altLang="zh-TW" b="1" dirty="0" smtClean="0">
-                <a:latin typeface="標楷體" panose="03000509000000000000" pitchFamily="65" charset="-120"/>
-                <a:ea typeface="標楷體" panose="03000509000000000000" pitchFamily="65" charset="-120"/>
-              </a:rPr>
-              <a:t>)</a:t>
-            </a:r>
-          </a:p>
-          <a:p>
-            <a:pPr lvl="1"/>
-            <a:r>
-              <a:rPr lang="zh-TW" altLang="en-US" b="1" dirty="0" smtClean="0">
-                <a:latin typeface="標楷體" panose="03000509000000000000" pitchFamily="65" charset="-120"/>
-                <a:ea typeface="標楷體" panose="03000509000000000000" pitchFamily="65" charset="-120"/>
-              </a:rPr>
-              <a:t>至少需自行增加一個功能 </a:t>
-            </a:r>
-            <a:endParaRPr lang="en-US" altLang="zh-TW" b="1" dirty="0" smtClean="0">
-              <a:latin typeface="標楷體" panose="03000509000000000000" pitchFamily="65" charset="-120"/>
-              <a:ea typeface="標楷體" panose="03000509000000000000" pitchFamily="65" charset="-120"/>
-            </a:endParaRPr>
-          </a:p>
-          <a:p>
-            <a:pPr lvl="2"/>
-            <a:r>
-              <a:rPr lang="zh-TW" altLang="en-US" b="1" dirty="0" smtClean="0">
-                <a:latin typeface="標楷體" panose="03000509000000000000" pitchFamily="65" charset="-120"/>
-                <a:ea typeface="標楷體" panose="03000509000000000000" pitchFamily="65" charset="-120"/>
-              </a:rPr>
-              <a:t>多多益善</a:t>
-            </a:r>
-            <a:r>
-              <a:rPr lang="en-US" altLang="zh-TW" b="1" dirty="0">
-                <a:latin typeface="標楷體" panose="03000509000000000000" pitchFamily="65" charset="-120"/>
-                <a:ea typeface="標楷體" panose="03000509000000000000" pitchFamily="65" charset="-120"/>
-              </a:rPr>
-              <a:t> </a:t>
-            </a:r>
-            <a:r>
-              <a:rPr lang="en-US" altLang="zh-TW" b="1" dirty="0" smtClean="0">
-                <a:latin typeface="標楷體" panose="03000509000000000000" pitchFamily="65" charset="-120"/>
-                <a:ea typeface="標楷體" panose="03000509000000000000" pitchFamily="65" charset="-120"/>
-              </a:rPr>
-              <a:t>(</a:t>
-            </a:r>
-            <a:r>
-              <a:rPr lang="zh-TW" altLang="en-US" b="1" dirty="0" smtClean="0">
-                <a:latin typeface="標楷體" panose="03000509000000000000" pitchFamily="65" charset="-120"/>
-                <a:ea typeface="標楷體" panose="03000509000000000000" pitchFamily="65" charset="-120"/>
-              </a:rPr>
-              <a:t>甚至都是自行開發更好</a:t>
-            </a:r>
-            <a:r>
-              <a:rPr lang="en-US" altLang="zh-TW" b="1" dirty="0" smtClean="0">
-                <a:latin typeface="標楷體" panose="03000509000000000000" pitchFamily="65" charset="-120"/>
-                <a:ea typeface="標楷體" panose="03000509000000000000" pitchFamily="65" charset="-120"/>
-              </a:rPr>
-              <a:t>)</a:t>
-            </a:r>
-          </a:p>
-        </p:txBody>
-      </p:sp>
-    </p:spTree>
-    <p:extLst>
-      <p:ext uri="{BB962C8B-B14F-4D97-AF65-F5344CB8AC3E}">
-        <p14:creationId xmlns:p14="http://schemas.microsoft.com/office/powerpoint/2010/main" val="605386179"/>
-      </p:ext>
-    </p:extLst>
-  </p:cSld>
-  <p:clrMapOvr>
-    <a:masterClrMapping/>
-  </p:clrMapOvr>
-</p:sld>
-</file>
-
-<file path=ppt/slides/slide9.xml><?xml version="1.0" encoding="utf-8"?>
-<p:sld xmlns:a="http://schemas.openxmlformats.org/drawingml/2006/main" xmlns:r="http://schemas.openxmlformats.org/officeDocument/2006/relationships" xmlns:p="http://schemas.openxmlformats.org/presentationml/2006/main">
-  <p:cSld>
-    <p:spTree>
-      <p:nvGrpSpPr>
-        <p:cNvPr id="1" name=""/>
-        <p:cNvGrpSpPr/>
-        <p:nvPr/>
-      </p:nvGrpSpPr>
-      <p:grpSpPr>
-        <a:xfrm>
-          <a:off x="0" y="0"/>
-          <a:ext cx="0" cy="0"/>
-          <a:chOff x="0" y="0"/>
-          <a:chExt cx="0" cy="0"/>
-        </a:xfrm>
-      </p:grpSpPr>
-      <p:sp>
-        <p:nvSpPr>
-          <p:cNvPr id="3" name="內容版面配置區 2"/>
-          <p:cNvSpPr>
-            <a:spLocks noGrp="1"/>
-          </p:cNvSpPr>
-          <p:nvPr>
-            <p:ph idx="1"/>
-          </p:nvPr>
-        </p:nvSpPr>
-        <p:spPr/>
-        <p:txBody>
-          <a:bodyPr>
-            <a:normAutofit lnSpcReduction="10000"/>
-          </a:bodyPr>
-          <a:lstStyle/>
-          <a:p>
-            <a:r>
-              <a:rPr lang="zh-TW" altLang="en-US" b="1" dirty="0">
-                <a:solidFill>
-                  <a:srgbClr val="0000FF"/>
-                </a:solidFill>
-                <a:latin typeface="標楷體" panose="03000509000000000000" pitchFamily="65" charset="-120"/>
-                <a:ea typeface="標楷體" panose="03000509000000000000" pitchFamily="65" charset="-120"/>
-              </a:rPr>
-              <a:t>如果不以</a:t>
-            </a:r>
-            <a:r>
-              <a:rPr lang="en-US" altLang="zh-TW" b="1" dirty="0" err="1">
-                <a:solidFill>
-                  <a:srgbClr val="0000FF"/>
-                </a:solidFill>
-                <a:latin typeface="標楷體" panose="03000509000000000000" pitchFamily="65" charset="-120"/>
-                <a:ea typeface="標楷體" panose="03000509000000000000" pitchFamily="65" charset="-120"/>
-              </a:rPr>
-              <a:t>kaggle</a:t>
-            </a:r>
-            <a:r>
-              <a:rPr lang="zh-TW" altLang="en-US" b="1" dirty="0">
-                <a:solidFill>
-                  <a:srgbClr val="0000FF"/>
-                </a:solidFill>
-                <a:latin typeface="標楷體" panose="03000509000000000000" pitchFamily="65" charset="-120"/>
-                <a:ea typeface="標楷體" panose="03000509000000000000" pitchFamily="65" charset="-120"/>
-              </a:rPr>
-              <a:t>為</a:t>
-            </a:r>
-            <a:r>
-              <a:rPr lang="en-US" altLang="zh-TW" b="1" dirty="0">
-                <a:solidFill>
-                  <a:srgbClr val="0000FF"/>
-                </a:solidFill>
-                <a:latin typeface="標楷體" panose="03000509000000000000" pitchFamily="65" charset="-120"/>
-                <a:ea typeface="標楷體" panose="03000509000000000000" pitchFamily="65" charset="-120"/>
-              </a:rPr>
-              <a:t>Base/Reference,</a:t>
-            </a:r>
-            <a:r>
-              <a:rPr lang="zh-TW" altLang="en-US" b="1" dirty="0">
-                <a:solidFill>
-                  <a:srgbClr val="0000FF"/>
-                </a:solidFill>
-                <a:latin typeface="標楷體" panose="03000509000000000000" pitchFamily="65" charset="-120"/>
-                <a:ea typeface="標楷體" panose="03000509000000000000" pitchFamily="65" charset="-120"/>
-              </a:rPr>
-              <a:t>自行開發</a:t>
-            </a:r>
-            <a:r>
-              <a:rPr lang="zh-TW" altLang="en-US" b="1" dirty="0" smtClean="0">
-                <a:solidFill>
-                  <a:srgbClr val="0000FF"/>
-                </a:solidFill>
-                <a:latin typeface="標楷體" panose="03000509000000000000" pitchFamily="65" charset="-120"/>
-                <a:ea typeface="標楷體" panose="03000509000000000000" pitchFamily="65" charset="-120"/>
-              </a:rPr>
-              <a:t>的更好</a:t>
-            </a:r>
-            <a:endParaRPr lang="en-US" altLang="zh-TW" b="1" dirty="0" smtClean="0">
-              <a:solidFill>
-                <a:srgbClr val="0000FF"/>
-              </a:solidFill>
-              <a:latin typeface="標楷體" panose="03000509000000000000" pitchFamily="65" charset="-120"/>
-              <a:ea typeface="標楷體" panose="03000509000000000000" pitchFamily="65" charset="-120"/>
-            </a:endParaRPr>
-          </a:p>
-          <a:p>
-            <a:r>
-              <a:rPr lang="zh-TW" altLang="en-US" b="1" dirty="0" smtClean="0">
-                <a:latin typeface="標楷體" panose="03000509000000000000" pitchFamily="65" charset="-120"/>
-                <a:ea typeface="標楷體" panose="03000509000000000000" pitchFamily="65" charset="-120"/>
-              </a:rPr>
-              <a:t>可以</a:t>
-            </a:r>
-            <a:r>
-              <a:rPr lang="en-US" altLang="zh-TW" b="1" dirty="0" smtClean="0">
-                <a:latin typeface="標楷體" panose="03000509000000000000" pitchFamily="65" charset="-120"/>
-                <a:ea typeface="標楷體" panose="03000509000000000000" pitchFamily="65" charset="-120"/>
-              </a:rPr>
-              <a:t>/</a:t>
-            </a:r>
-            <a:r>
-              <a:rPr lang="zh-TW" altLang="en-US" b="1" dirty="0" smtClean="0">
-                <a:latin typeface="標楷體" panose="03000509000000000000" pitchFamily="65" charset="-120"/>
-                <a:ea typeface="標楷體" panose="03000509000000000000" pitchFamily="65" charset="-120"/>
-              </a:rPr>
-              <a:t>最好事先來跟老師討論</a:t>
-            </a:r>
-            <a:endParaRPr lang="en-US" altLang="zh-TW" b="1" dirty="0" smtClean="0">
-              <a:latin typeface="標楷體" panose="03000509000000000000" pitchFamily="65" charset="-120"/>
-              <a:ea typeface="標楷體" panose="03000509000000000000" pitchFamily="65" charset="-120"/>
-            </a:endParaRPr>
-          </a:p>
-          <a:p>
-            <a:pPr lvl="1"/>
-            <a:r>
-              <a:rPr lang="zh-TW" altLang="en-US" b="1" dirty="0" smtClean="0">
-                <a:latin typeface="標楷體" panose="03000509000000000000" pitchFamily="65" charset="-120"/>
-                <a:ea typeface="標楷體" panose="03000509000000000000" pitchFamily="65" charset="-120"/>
-              </a:rPr>
-              <a:t>與大數據有關</a:t>
-            </a:r>
-            <a:endParaRPr lang="en-US" altLang="zh-TW" b="1" dirty="0" smtClean="0">
-              <a:latin typeface="標楷體" panose="03000509000000000000" pitchFamily="65" charset="-120"/>
-              <a:ea typeface="標楷體" panose="03000509000000000000" pitchFamily="65" charset="-120"/>
-            </a:endParaRPr>
-          </a:p>
-          <a:p>
-            <a:pPr lvl="1"/>
-            <a:r>
-              <a:rPr lang="zh-TW" altLang="en-US" b="1" dirty="0">
-                <a:latin typeface="標楷體" panose="03000509000000000000" pitchFamily="65" charset="-120"/>
-                <a:ea typeface="標楷體" panose="03000509000000000000" pitchFamily="65" charset="-120"/>
-              </a:rPr>
-              <a:t>目標明確</a:t>
-            </a:r>
-            <a:endParaRPr lang="en-US" altLang="zh-TW" b="1" dirty="0">
-              <a:latin typeface="標楷體" panose="03000509000000000000" pitchFamily="65" charset="-120"/>
-              <a:ea typeface="標楷體" panose="03000509000000000000" pitchFamily="65" charset="-120"/>
-            </a:endParaRPr>
-          </a:p>
-          <a:p>
-            <a:pPr lvl="1"/>
-            <a:r>
-              <a:rPr lang="zh-TW" altLang="en-US" b="1" dirty="0" smtClean="0">
-                <a:latin typeface="標楷體" panose="03000509000000000000" pitchFamily="65" charset="-120"/>
-                <a:ea typeface="標楷體" panose="03000509000000000000" pitchFamily="65" charset="-120"/>
-              </a:rPr>
-              <a:t>適當呈現的圖表</a:t>
-            </a:r>
-            <a:endParaRPr lang="en-US" altLang="zh-TW" b="1" dirty="0">
-              <a:latin typeface="標楷體" panose="03000509000000000000" pitchFamily="65" charset="-120"/>
-              <a:ea typeface="標楷體" panose="03000509000000000000" pitchFamily="65" charset="-120"/>
-            </a:endParaRPr>
-          </a:p>
-          <a:p>
-            <a:pPr lvl="1"/>
-            <a:r>
-              <a:rPr lang="zh-TW" altLang="en-US" b="1" dirty="0" smtClean="0">
-                <a:latin typeface="標楷體" panose="03000509000000000000" pitchFamily="65" charset="-120"/>
-                <a:ea typeface="標楷體" panose="03000509000000000000" pitchFamily="65" charset="-120"/>
-              </a:rPr>
-              <a:t>主要</a:t>
-            </a:r>
-            <a:r>
-              <a:rPr lang="zh-TW" altLang="en-US" b="1" dirty="0">
-                <a:latin typeface="標楷體" panose="03000509000000000000" pitchFamily="65" charset="-120"/>
-                <a:ea typeface="標楷體" panose="03000509000000000000" pitchFamily="65" charset="-120"/>
-              </a:rPr>
-              <a:t>是內容／份量要</a:t>
-            </a:r>
-            <a:r>
-              <a:rPr lang="zh-TW" altLang="en-US" b="1" dirty="0" smtClean="0">
-                <a:latin typeface="標楷體" panose="03000509000000000000" pitchFamily="65" charset="-120"/>
-                <a:ea typeface="標楷體" panose="03000509000000000000" pitchFamily="65" charset="-120"/>
-              </a:rPr>
-              <a:t>夠</a:t>
-            </a:r>
-            <a:endParaRPr lang="en-US" altLang="zh-TW" b="1" dirty="0" smtClean="0">
-              <a:latin typeface="標楷體" panose="03000509000000000000" pitchFamily="65" charset="-120"/>
-              <a:ea typeface="標楷體" panose="03000509000000000000" pitchFamily="65" charset="-120"/>
-            </a:endParaRPr>
-          </a:p>
-          <a:p>
-            <a:endParaRPr lang="en-US" altLang="zh-TW" b="1" dirty="0">
-              <a:solidFill>
-                <a:srgbClr val="0000FF"/>
-              </a:solidFill>
-              <a:latin typeface="標楷體" panose="03000509000000000000" pitchFamily="65" charset="-120"/>
-              <a:ea typeface="標楷體" panose="03000509000000000000" pitchFamily="65" charset="-120"/>
-            </a:endParaRPr>
-          </a:p>
-          <a:p>
-            <a:endParaRPr lang="en-US" altLang="zh-TW" b="1" dirty="0" smtClean="0">
-              <a:solidFill>
-                <a:srgbClr val="0000FF"/>
-              </a:solidFill>
-              <a:latin typeface="標楷體" panose="03000509000000000000" pitchFamily="65" charset="-120"/>
-              <a:ea typeface="標楷體" panose="03000509000000000000" pitchFamily="65" charset="-120"/>
-            </a:endParaRPr>
-          </a:p>
-          <a:p>
-            <a:r>
-              <a:rPr lang="en-US" altLang="zh-TW" b="1" dirty="0" err="1" smtClean="0">
-                <a:solidFill>
-                  <a:srgbClr val="0000FF"/>
-                </a:solidFill>
-                <a:latin typeface="標楷體" panose="03000509000000000000" pitchFamily="65" charset="-120"/>
-                <a:ea typeface="標楷體" panose="03000509000000000000" pitchFamily="65" charset="-120"/>
-              </a:rPr>
-              <a:t>Colab</a:t>
-            </a:r>
-            <a:r>
-              <a:rPr lang="zh-TW" altLang="en-US" b="1" dirty="0" smtClean="0">
-                <a:solidFill>
-                  <a:srgbClr val="0000FF"/>
-                </a:solidFill>
-                <a:latin typeface="標楷體" panose="03000509000000000000" pitchFamily="65" charset="-120"/>
-                <a:ea typeface="標楷體" panose="03000509000000000000" pitchFamily="65" charset="-120"/>
-              </a:rPr>
-              <a:t>或</a:t>
-            </a:r>
-            <a:r>
-              <a:rPr lang="en-US" altLang="zh-TW" b="1" dirty="0" err="1" smtClean="0">
-                <a:solidFill>
-                  <a:srgbClr val="0000FF"/>
-                </a:solidFill>
-                <a:latin typeface="標楷體" panose="03000509000000000000" pitchFamily="65" charset="-120"/>
-                <a:ea typeface="標楷體" panose="03000509000000000000" pitchFamily="65" charset="-120"/>
-              </a:rPr>
-              <a:t>VSCode</a:t>
-            </a:r>
-            <a:r>
-              <a:rPr lang="zh-TW" altLang="en-US" b="1" dirty="0" smtClean="0">
-                <a:solidFill>
-                  <a:srgbClr val="0000FF"/>
-                </a:solidFill>
-                <a:latin typeface="標楷體" panose="03000509000000000000" pitchFamily="65" charset="-120"/>
-                <a:ea typeface="標楷體" panose="03000509000000000000" pitchFamily="65" charset="-120"/>
-              </a:rPr>
-              <a:t>都可以</a:t>
-            </a:r>
-            <a:endParaRPr lang="en-US" altLang="zh-TW" b="1" dirty="0" smtClean="0">
-              <a:solidFill>
-                <a:srgbClr val="0000FF"/>
-              </a:solidFill>
-              <a:latin typeface="標楷體" panose="03000509000000000000" pitchFamily="65" charset="-120"/>
-              <a:ea typeface="標楷體" panose="03000509000000000000" pitchFamily="65" charset="-120"/>
-            </a:endParaRPr>
-          </a:p>
-          <a:p>
-            <a:r>
-              <a:rPr lang="en-US" altLang="zh-TW" b="1" dirty="0" err="1" smtClean="0">
-                <a:solidFill>
-                  <a:srgbClr val="0000FF"/>
-                </a:solidFill>
-                <a:latin typeface="標楷體" panose="03000509000000000000" pitchFamily="65" charset="-120"/>
-                <a:ea typeface="標楷體" panose="03000509000000000000" pitchFamily="65" charset="-120"/>
-              </a:rPr>
-              <a:t>chatGPT</a:t>
-            </a:r>
-            <a:r>
-              <a:rPr lang="zh-TW" altLang="en-US" b="1" dirty="0" smtClean="0">
-                <a:solidFill>
-                  <a:srgbClr val="0000FF"/>
-                </a:solidFill>
-                <a:latin typeface="標楷體" panose="03000509000000000000" pitchFamily="65" charset="-120"/>
-                <a:ea typeface="標楷體" panose="03000509000000000000" pitchFamily="65" charset="-120"/>
-              </a:rPr>
-              <a:t>應用</a:t>
-            </a:r>
-            <a:r>
-              <a:rPr lang="en-US" altLang="zh-TW" b="1" dirty="0" smtClean="0">
-                <a:solidFill>
-                  <a:srgbClr val="0000FF"/>
-                </a:solidFill>
-                <a:latin typeface="標楷體" panose="03000509000000000000" pitchFamily="65" charset="-120"/>
-                <a:ea typeface="標楷體" panose="03000509000000000000" pitchFamily="65" charset="-120"/>
-              </a:rPr>
-              <a:t>-</a:t>
-            </a:r>
-            <a:r>
-              <a:rPr lang="zh-TW" altLang="en-US" b="1" smtClean="0">
-                <a:solidFill>
-                  <a:srgbClr val="0000FF"/>
-                </a:solidFill>
-                <a:latin typeface="標楷體" panose="03000509000000000000" pitchFamily="65" charset="-120"/>
-                <a:ea typeface="標楷體" panose="03000509000000000000" pitchFamily="65" charset="-120"/>
-              </a:rPr>
-              <a:t>很多</a:t>
-            </a:r>
-            <a:endParaRPr lang="zh-TW" altLang="en-US" dirty="0"/>
-          </a:p>
-        </p:txBody>
-      </p:sp>
-      <p:sp>
-        <p:nvSpPr>
-          <p:cNvPr id="4" name="標題 1"/>
-          <p:cNvSpPr>
-            <a:spLocks noGrp="1"/>
-          </p:cNvSpPr>
-          <p:nvPr>
-            <p:ph type="title"/>
-          </p:nvPr>
-        </p:nvSpPr>
-        <p:spPr>
-          <a:xfrm>
-            <a:off x="673100" y="97270"/>
-            <a:ext cx="10845800" cy="1325563"/>
-          </a:xfrm>
-        </p:spPr>
-        <p:txBody>
-          <a:bodyPr/>
-          <a:lstStyle/>
-          <a:p>
-            <a:pPr algn="r"/>
-            <a:r>
-              <a:rPr lang="zh-TW" altLang="en-US" dirty="0">
-                <a:solidFill>
-                  <a:srgbClr val="FF0000"/>
-                </a:solidFill>
-                <a:latin typeface="標楷體" panose="03000509000000000000" pitchFamily="65" charset="-120"/>
-                <a:ea typeface="標楷體" panose="03000509000000000000" pitchFamily="65" charset="-120"/>
-              </a:rPr>
-              <a:t>第</a:t>
-            </a:r>
-            <a:r>
-              <a:rPr lang="en-US" altLang="zh-TW" dirty="0">
-                <a:solidFill>
-                  <a:srgbClr val="FF0000"/>
-                </a:solidFill>
-                <a:latin typeface="標楷體" panose="03000509000000000000" pitchFamily="65" charset="-120"/>
-                <a:ea typeface="標楷體" panose="03000509000000000000" pitchFamily="65" charset="-120"/>
-              </a:rPr>
-              <a:t>12</a:t>
-            </a:r>
-            <a:r>
-              <a:rPr lang="zh-TW" altLang="en-US" dirty="0">
-                <a:solidFill>
-                  <a:srgbClr val="FF0000"/>
-                </a:solidFill>
-                <a:latin typeface="標楷體" panose="03000509000000000000" pitchFamily="65" charset="-120"/>
-                <a:ea typeface="標楷體" panose="03000509000000000000" pitchFamily="65" charset="-120"/>
-              </a:rPr>
-              <a:t>週 </a:t>
-            </a:r>
-            <a:r>
-              <a:rPr lang="en-US" altLang="zh-TW" dirty="0">
-                <a:solidFill>
-                  <a:srgbClr val="FF0000"/>
-                </a:solidFill>
-                <a:latin typeface="標楷體" panose="03000509000000000000" pitchFamily="65" charset="-120"/>
-                <a:ea typeface="標楷體" panose="03000509000000000000" pitchFamily="65" charset="-120"/>
-              </a:rPr>
-              <a:t>Final Project </a:t>
-            </a:r>
-            <a:r>
-              <a:rPr lang="zh-TW" altLang="en-US" dirty="0" smtClean="0">
-                <a:solidFill>
-                  <a:srgbClr val="FF0000"/>
-                </a:solidFill>
-                <a:latin typeface="標楷體" panose="03000509000000000000" pitchFamily="65" charset="-120"/>
-                <a:ea typeface="標楷體" panose="03000509000000000000" pitchFamily="65" charset="-120"/>
-              </a:rPr>
-              <a:t>報告（細則</a:t>
-            </a:r>
-            <a:r>
-              <a:rPr lang="en-US" altLang="zh-TW" dirty="0" smtClean="0">
-                <a:solidFill>
-                  <a:srgbClr val="FF0000"/>
-                </a:solidFill>
-                <a:latin typeface="標楷體" panose="03000509000000000000" pitchFamily="65" charset="-120"/>
-                <a:ea typeface="標楷體" panose="03000509000000000000" pitchFamily="65" charset="-120"/>
-              </a:rPr>
-              <a:t>)</a:t>
-            </a:r>
-            <a:r>
-              <a:rPr lang="zh-TW" altLang="en-US" dirty="0" smtClean="0">
-                <a:solidFill>
-                  <a:srgbClr val="FF0000"/>
-                </a:solidFill>
-                <a:latin typeface="標楷體" panose="03000509000000000000" pitchFamily="65" charset="-120"/>
-                <a:ea typeface="標楷體" panose="03000509000000000000" pitchFamily="65" charset="-120"/>
-              </a:rPr>
-              <a:t>　</a:t>
-            </a:r>
-            <a:r>
-              <a:rPr lang="en-US" altLang="zh-TW" dirty="0" smtClean="0">
-                <a:solidFill>
-                  <a:srgbClr val="FF0000"/>
-                </a:solidFill>
-                <a:latin typeface="標楷體" panose="03000509000000000000" pitchFamily="65" charset="-120"/>
-                <a:ea typeface="標楷體" panose="03000509000000000000" pitchFamily="65" charset="-120"/>
-              </a:rPr>
-              <a:t>2/2</a:t>
-            </a:r>
-            <a:r>
-              <a:rPr lang="zh-TW" altLang="en-US" dirty="0" smtClean="0">
-                <a:solidFill>
-                  <a:srgbClr val="FF0000"/>
-                </a:solidFill>
-                <a:latin typeface="標楷體" panose="03000509000000000000" pitchFamily="65" charset="-120"/>
-                <a:ea typeface="標楷體" panose="03000509000000000000" pitchFamily="65" charset="-120"/>
-              </a:rPr>
-              <a:t>　　</a:t>
-            </a:r>
-            <a:endParaRPr lang="zh-TW" altLang="en-US" dirty="0"/>
-          </a:p>
-        </p:txBody>
-      </p:sp>
-    </p:spTree>
-    <p:extLst>
-      <p:ext uri="{BB962C8B-B14F-4D97-AF65-F5344CB8AC3E}">
-        <p14:creationId xmlns:p14="http://schemas.microsoft.com/office/powerpoint/2010/main" val="112902077"/>
-      </p:ext>
-    </p:extLst>
-  </p:cSld>
-  <p:clrMapOvr>
-    <a:masterClrMapping/>
-  </p:clrMapOvr>
 </p:sld>
 </file>
 
